--- a/Palo_Alto_2581/000_PaloAlto_2581_Shed.pptx
+++ b/Palo_Alto_2581/000_PaloAlto_2581_Shed.pptx
@@ -110,6 +110,11 @@
       </a:defRPr>
     </a:lvl9pPr>
   </p:defaultTextStyle>
+  <p:extLst>
+    <p:ext uri="{EFAFB233-063F-42B5-8137-9DF3F51BA10A}">
+      <p15:sldGuideLst xmlns:p15="http://schemas.microsoft.com/office/powerpoint/2012/main"/>
+    </p:ext>
+  </p:extLst>
 </p:presentation>
 </file>
 
@@ -6893,6 +6898,7 @@
           <a:lstStyle/>
           <a:p>
             <a:fld id="{56895BAA-7ECA-47E7-A469-7D3F41C61957}" type="slidenum">
+              <a:rPr/>
               <a:t>1</a:t>
             </a:fld>
             <a:endParaRPr/>
@@ -6916,7 +6922,7 @@
           <a:p>
             <a:fld id="{C86E80A2-4B26-42D2-903A-CE8F0862CAB8}" type="datetime1">
               <a:rPr lang="en-US"/>
-              <a:t>2/20/2026</a:t>
+              <a:t>2/21/2026</a:t>
             </a:fld>
             <a:endParaRPr lang="en-US"/>
           </a:p>
@@ -7261,7 +7267,7 @@
           <a:p>
             <a:fld id="{85B98A2D-A0AB-497E-912E-0872F80E272C}" type="datetime1">
               <a:rPr lang="en-US"/>
-              <a:t>2/20/2026</a:t>
+              <a:t>2/21/2026</a:t>
             </a:fld>
             <a:endParaRPr lang="en-US"/>
           </a:p>
@@ -7327,8 +7333,8 @@
         </p:nvSpPr>
         <p:spPr>
           <a:xfrm>
-            <a:off x="3962400" y="3296356"/>
-            <a:ext cx="959556" cy="1964266"/>
+            <a:off x="3747911" y="4222044"/>
+            <a:ext cx="982133" cy="1038578"/>
           </a:xfrm>
           <a:prstGeom prst="rect">
             <a:avLst/>
@@ -7361,10 +7367,10 @@
       </p:sp>
       <p:sp>
         <p:nvSpPr>
-          <p:cNvPr id="24" name="Rectangle 23">
+          <p:cNvPr id="25" name="Rectangle 24">
             <a:extLst>
               <a:ext uri="{FF2B5EF4-FFF2-40B4-BE49-F238E27FC236}">
-                <a16:creationId xmlns:a16="http://schemas.microsoft.com/office/drawing/2014/main" id="{AA255E7A-FA3F-D17A-EA32-F36010D7B9BD}"/>
+                <a16:creationId xmlns:a16="http://schemas.microsoft.com/office/drawing/2014/main" id="{4552DA1F-BE22-C81E-C2CF-E0A226FD2B69}"/>
               </a:ext>
             </a:extLst>
           </p:cNvPr>
@@ -7373,8 +7379,8 @@
         </p:nvSpPr>
         <p:spPr>
           <a:xfrm>
-            <a:off x="3725333" y="1569157"/>
-            <a:ext cx="191911" cy="3747910"/>
+            <a:off x="3668889" y="4334931"/>
+            <a:ext cx="101600" cy="237066"/>
           </a:xfrm>
           <a:prstGeom prst="rect">
             <a:avLst/>
@@ -7407,10 +7413,10 @@
       </p:sp>
       <p:sp>
         <p:nvSpPr>
-          <p:cNvPr id="25" name="Rectangle 24">
+          <p:cNvPr id="26" name="Rectangle 25">
             <a:extLst>
               <a:ext uri="{FF2B5EF4-FFF2-40B4-BE49-F238E27FC236}">
-                <a16:creationId xmlns:a16="http://schemas.microsoft.com/office/drawing/2014/main" id="{4552DA1F-BE22-C81E-C2CF-E0A226FD2B69}"/>
+                <a16:creationId xmlns:a16="http://schemas.microsoft.com/office/drawing/2014/main" id="{ADBE28D8-2646-35E5-F64D-07BF35438674}"/>
               </a:ext>
             </a:extLst>
           </p:cNvPr>
@@ -7419,8 +7425,8 @@
         </p:nvSpPr>
         <p:spPr>
           <a:xfrm>
-            <a:off x="3894669" y="3522134"/>
-            <a:ext cx="101600" cy="237066"/>
+            <a:off x="3646309" y="4854225"/>
+            <a:ext cx="124178" cy="248356"/>
           </a:xfrm>
           <a:prstGeom prst="rect">
             <a:avLst/>
@@ -7453,10 +7459,10 @@
       </p:sp>
       <p:sp>
         <p:nvSpPr>
-          <p:cNvPr id="26" name="Rectangle 25">
+          <p:cNvPr id="30" name="Rectangle 29">
             <a:extLst>
               <a:ext uri="{FF2B5EF4-FFF2-40B4-BE49-F238E27FC236}">
-                <a16:creationId xmlns:a16="http://schemas.microsoft.com/office/drawing/2014/main" id="{ADBE28D8-2646-35E5-F64D-07BF35438674}"/>
+                <a16:creationId xmlns:a16="http://schemas.microsoft.com/office/drawing/2014/main" id="{03149627-8053-BF86-00A6-176687266D9C}"/>
               </a:ext>
             </a:extLst>
           </p:cNvPr>
@@ -7465,8 +7471,8 @@
         </p:nvSpPr>
         <p:spPr>
           <a:xfrm>
-            <a:off x="3872089" y="4549422"/>
-            <a:ext cx="124178" cy="248356"/>
+            <a:off x="5192888" y="2777068"/>
+            <a:ext cx="191911" cy="2528710"/>
           </a:xfrm>
           <a:prstGeom prst="rect">
             <a:avLst/>
@@ -7499,10 +7505,10 @@
       </p:sp>
       <p:sp>
         <p:nvSpPr>
-          <p:cNvPr id="28" name="Rectangle 27">
+          <p:cNvPr id="64" name="Rectangle 63">
             <a:extLst>
               <a:ext uri="{FF2B5EF4-FFF2-40B4-BE49-F238E27FC236}">
-                <a16:creationId xmlns:a16="http://schemas.microsoft.com/office/drawing/2014/main" id="{8313CADB-187B-56A3-57AF-B9109982B082}"/>
+                <a16:creationId xmlns:a16="http://schemas.microsoft.com/office/drawing/2014/main" id="{BBFCFB59-A785-1374-6523-FE26223FB396}"/>
               </a:ext>
             </a:extLst>
           </p:cNvPr>
@@ -7510,9 +7516,9 @@
           <p:nvPr/>
         </p:nvSpPr>
         <p:spPr>
-          <a:xfrm rot="2450317">
-            <a:off x="3587478" y="2129560"/>
-            <a:ext cx="1902664" cy="131749"/>
+          <a:xfrm>
+            <a:off x="5000978" y="2720622"/>
+            <a:ext cx="203200" cy="2619022"/>
           </a:xfrm>
           <a:prstGeom prst="rect">
             <a:avLst/>
@@ -7545,10 +7551,10 @@
       </p:sp>
       <p:sp>
         <p:nvSpPr>
-          <p:cNvPr id="30" name="Rectangle 29">
+          <p:cNvPr id="67" name="Rectangle 66">
             <a:extLst>
               <a:ext uri="{FF2B5EF4-FFF2-40B4-BE49-F238E27FC236}">
-                <a16:creationId xmlns:a16="http://schemas.microsoft.com/office/drawing/2014/main" id="{03149627-8053-BF86-00A6-176687266D9C}"/>
+                <a16:creationId xmlns:a16="http://schemas.microsoft.com/office/drawing/2014/main" id="{D76C8672-817C-DBD0-BBB8-6472FD4B1D22}"/>
               </a:ext>
             </a:extLst>
           </p:cNvPr>
@@ -7557,8 +7563,8 @@
         </p:nvSpPr>
         <p:spPr>
           <a:xfrm>
-            <a:off x="5192889" y="3014132"/>
-            <a:ext cx="191910" cy="2291645"/>
+            <a:off x="4651018" y="4594576"/>
+            <a:ext cx="158045" cy="191911"/>
           </a:xfrm>
           <a:prstGeom prst="rect">
             <a:avLst/>
@@ -7589,12 +7595,54 @@
           </a:p>
         </p:txBody>
       </p:sp>
-      <p:sp>
-        <p:nvSpPr>
-          <p:cNvPr id="64" name="Rectangle 63">
+      <p:cxnSp>
+        <p:nvCxnSpPr>
+          <p:cNvPr id="71" name="Straight Arrow Connector 70">
             <a:extLst>
               <a:ext uri="{FF2B5EF4-FFF2-40B4-BE49-F238E27FC236}">
-                <a16:creationId xmlns:a16="http://schemas.microsoft.com/office/drawing/2014/main" id="{BBFCFB59-A785-1374-6523-FE26223FB396}"/>
+                <a16:creationId xmlns:a16="http://schemas.microsoft.com/office/drawing/2014/main" id="{213DABAB-2905-D712-E228-5714CC9EAED0}"/>
+              </a:ext>
+            </a:extLst>
+          </p:cNvPr>
+          <p:cNvCxnSpPr>
+            <a:cxnSpLocks/>
+          </p:cNvCxnSpPr>
+          <p:nvPr/>
+        </p:nvCxnSpPr>
+        <p:spPr>
+          <a:xfrm>
+            <a:off x="3239910" y="2799644"/>
+            <a:ext cx="0" cy="2754489"/>
+          </a:xfrm>
+          <a:prstGeom prst="straightConnector1">
+            <a:avLst/>
+          </a:prstGeom>
+          <a:ln>
+            <a:headEnd type="triangle" w="med" len="med"/>
+            <a:tailEnd type="triangle" w="med" len="med"/>
+          </a:ln>
+        </p:spPr>
+        <p:style>
+          <a:lnRef idx="1">
+            <a:schemeClr val="accent1"/>
+          </a:lnRef>
+          <a:fillRef idx="0">
+            <a:schemeClr val="accent1"/>
+          </a:fillRef>
+          <a:effectRef idx="0">
+            <a:schemeClr val="accent1"/>
+          </a:effectRef>
+          <a:fontRef idx="minor">
+            <a:schemeClr val="tx1"/>
+          </a:fontRef>
+        </p:style>
+      </p:cxnSp>
+      <p:sp>
+        <p:nvSpPr>
+          <p:cNvPr id="73" name="Rectangle 72">
+            <a:extLst>
+              <a:ext uri="{FF2B5EF4-FFF2-40B4-BE49-F238E27FC236}">
+                <a16:creationId xmlns:a16="http://schemas.microsoft.com/office/drawing/2014/main" id="{AD86D6F2-75C2-67C0-6397-28BDCD10E3F7}"/>
               </a:ext>
             </a:extLst>
           </p:cNvPr>
@@ -7603,12 +7651,18 @@
         </p:nvSpPr>
         <p:spPr>
           <a:xfrm>
-            <a:off x="5000978" y="2720622"/>
-            <a:ext cx="203200" cy="2619022"/>
-          </a:xfrm>
-          <a:prstGeom prst="rect">
-            <a:avLst/>
-          </a:prstGeom>
+            <a:off x="2709334" y="4165599"/>
+            <a:ext cx="575733" cy="316089"/>
+          </a:xfrm>
+          <a:prstGeom prst="rect">
+            <a:avLst/>
+          </a:prstGeom>
+          <a:noFill/>
+          <a:ln>
+            <a:solidFill>
+              <a:schemeClr val="bg1"/>
+            </a:solidFill>
+          </a:ln>
         </p:spPr>
         <p:style>
           <a:lnRef idx="2">
@@ -7631,16 +7685,23 @@
           <a:lstStyle/>
           <a:p>
             <a:pPr algn="ctr"/>
-            <a:endParaRPr lang="en-US"/>
-          </a:p>
-        </p:txBody>
-      </p:sp>
-      <p:sp>
-        <p:nvSpPr>
-          <p:cNvPr id="65" name="Rectangle 64">
+            <a:r>
+              <a:rPr lang="en-US" dirty="0">
+                <a:solidFill>
+                  <a:schemeClr val="tx1"/>
+                </a:solidFill>
+              </a:rPr>
+              <a:t>6 ft</a:t>
+            </a:r>
+          </a:p>
+        </p:txBody>
+      </p:sp>
+      <p:sp>
+        <p:nvSpPr>
+          <p:cNvPr id="74" name="Rectangle 73">
             <a:extLst>
               <a:ext uri="{FF2B5EF4-FFF2-40B4-BE49-F238E27FC236}">
-                <a16:creationId xmlns:a16="http://schemas.microsoft.com/office/drawing/2014/main" id="{7BBBCC29-AE3C-7AD6-4031-D4A4968D8BFA}"/>
+                <a16:creationId xmlns:a16="http://schemas.microsoft.com/office/drawing/2014/main" id="{8A8B0864-113D-1C70-C683-ED8F955FBFA4}"/>
               </a:ext>
             </a:extLst>
           </p:cNvPr>
@@ -7649,12 +7710,18 @@
         </p:nvSpPr>
         <p:spPr>
           <a:xfrm>
-            <a:off x="3804356" y="3138311"/>
-            <a:ext cx="1591733" cy="169332"/>
-          </a:xfrm>
-          <a:prstGeom prst="rect">
-            <a:avLst/>
-          </a:prstGeom>
+            <a:off x="5503334" y="3414889"/>
+            <a:ext cx="575733" cy="316089"/>
+          </a:xfrm>
+          <a:prstGeom prst="rect">
+            <a:avLst/>
+          </a:prstGeom>
+          <a:noFill/>
+          <a:ln>
+            <a:solidFill>
+              <a:schemeClr val="bg1"/>
+            </a:solidFill>
+          </a:ln>
         </p:spPr>
         <p:style>
           <a:lnRef idx="2">
@@ -7677,16 +7744,137 @@
           <a:lstStyle/>
           <a:p>
             <a:pPr algn="ctr"/>
-            <a:endParaRPr lang="en-US"/>
-          </a:p>
-        </p:txBody>
-      </p:sp>
-      <p:sp>
-        <p:nvSpPr>
-          <p:cNvPr id="67" name="Rectangle 66">
+            <a:r>
+              <a:rPr lang="en-US" dirty="0">
+                <a:solidFill>
+                  <a:schemeClr val="tx1"/>
+                </a:solidFill>
+              </a:rPr>
+              <a:t>6 ft</a:t>
+            </a:r>
+          </a:p>
+        </p:txBody>
+      </p:sp>
+      <p:cxnSp>
+        <p:nvCxnSpPr>
+          <p:cNvPr id="75" name="Straight Arrow Connector 74">
             <a:extLst>
               <a:ext uri="{FF2B5EF4-FFF2-40B4-BE49-F238E27FC236}">
-                <a16:creationId xmlns:a16="http://schemas.microsoft.com/office/drawing/2014/main" id="{D76C8672-817C-DBD0-BBB8-6472FD4B1D22}"/>
+                <a16:creationId xmlns:a16="http://schemas.microsoft.com/office/drawing/2014/main" id="{9BFB1FA0-0CDB-198C-24F1-839EFF8657F6}"/>
+              </a:ext>
+            </a:extLst>
+          </p:cNvPr>
+          <p:cNvCxnSpPr>
+            <a:cxnSpLocks/>
+          </p:cNvCxnSpPr>
+          <p:nvPr/>
+        </p:nvCxnSpPr>
+        <p:spPr>
+          <a:xfrm>
+            <a:off x="5627511" y="2748845"/>
+            <a:ext cx="0" cy="2590799"/>
+          </a:xfrm>
+          <a:prstGeom prst="straightConnector1">
+            <a:avLst/>
+          </a:prstGeom>
+          <a:ln>
+            <a:headEnd type="triangle" w="med" len="med"/>
+            <a:tailEnd type="triangle" w="med" len="med"/>
+          </a:ln>
+        </p:spPr>
+        <p:style>
+          <a:lnRef idx="1">
+            <a:schemeClr val="accent1"/>
+          </a:lnRef>
+          <a:fillRef idx="0">
+            <a:schemeClr val="accent1"/>
+          </a:fillRef>
+          <a:effectRef idx="0">
+            <a:schemeClr val="accent1"/>
+          </a:effectRef>
+          <a:fontRef idx="minor">
+            <a:schemeClr val="tx1"/>
+          </a:fontRef>
+        </p:style>
+      </p:cxnSp>
+      <p:pic>
+        <p:nvPicPr>
+          <p:cNvPr id="3" name="Picture 2">
+            <a:extLst>
+              <a:ext uri="{FF2B5EF4-FFF2-40B4-BE49-F238E27FC236}">
+                <a16:creationId xmlns:a16="http://schemas.microsoft.com/office/drawing/2014/main" id="{F9EDC04C-021C-1C1D-A870-0EC56C62F0C3}"/>
+              </a:ext>
+            </a:extLst>
+          </p:cNvPr>
+          <p:cNvPicPr>
+            <a:picLocks noChangeAspect="1"/>
+          </p:cNvPicPr>
+          <p:nvPr/>
+        </p:nvPicPr>
+        <p:blipFill>
+          <a:blip r:embed="rId2" cstate="print">
+            <a:extLst>
+              <a:ext uri="{28A0092B-C50C-407E-A947-70E740481C1C}">
+                <a14:useLocalDpi xmlns:a14="http://schemas.microsoft.com/office/drawing/2010/main" val="0"/>
+              </a:ext>
+            </a:extLst>
+          </a:blip>
+          <a:stretch>
+            <a:fillRect/>
+          </a:stretch>
+        </p:blipFill>
+        <p:spPr>
+          <a:xfrm>
+            <a:off x="324316" y="1927156"/>
+            <a:ext cx="1382812" cy="1843333"/>
+          </a:xfrm>
+          <a:prstGeom prst="rect">
+            <a:avLst/>
+          </a:prstGeom>
+        </p:spPr>
+      </p:pic>
+      <p:pic>
+        <p:nvPicPr>
+          <p:cNvPr id="6" name="Picture 5">
+            <a:extLst>
+              <a:ext uri="{FF2B5EF4-FFF2-40B4-BE49-F238E27FC236}">
+                <a16:creationId xmlns:a16="http://schemas.microsoft.com/office/drawing/2014/main" id="{48AC7EA5-7BB0-BB8B-890A-3725783ABC98}"/>
+              </a:ext>
+            </a:extLst>
+          </p:cNvPr>
+          <p:cNvPicPr>
+            <a:picLocks noChangeAspect="1"/>
+          </p:cNvPicPr>
+          <p:nvPr/>
+        </p:nvPicPr>
+        <p:blipFill>
+          <a:blip r:embed="rId3" cstate="print">
+            <a:extLst>
+              <a:ext uri="{28A0092B-C50C-407E-A947-70E740481C1C}">
+                <a14:useLocalDpi xmlns:a14="http://schemas.microsoft.com/office/drawing/2010/main" val="0"/>
+              </a:ext>
+            </a:extLst>
+          </a:blip>
+          <a:stretch>
+            <a:fillRect/>
+          </a:stretch>
+        </p:blipFill>
+        <p:spPr>
+          <a:xfrm>
+            <a:off x="417688" y="4007029"/>
+            <a:ext cx="1277351" cy="1702750"/>
+          </a:xfrm>
+          <a:prstGeom prst="rect">
+            <a:avLst/>
+          </a:prstGeom>
+        </p:spPr>
+      </p:pic>
+      <p:sp>
+        <p:nvSpPr>
+          <p:cNvPr id="7" name="Rectangle 6">
+            <a:extLst>
+              <a:ext uri="{FF2B5EF4-FFF2-40B4-BE49-F238E27FC236}">
+                <a16:creationId xmlns:a16="http://schemas.microsoft.com/office/drawing/2014/main" id="{77473227-F38C-F86E-853D-A83EE8FF262A}"/>
               </a:ext>
             </a:extLst>
           </p:cNvPr>
@@ -7695,12 +7883,18 @@
         </p:nvSpPr>
         <p:spPr>
           <a:xfrm>
-            <a:off x="4899376" y="4086578"/>
-            <a:ext cx="158045" cy="191911"/>
-          </a:xfrm>
-          <a:prstGeom prst="rect">
-            <a:avLst/>
-          </a:prstGeom>
+            <a:off x="366889" y="5819421"/>
+            <a:ext cx="1292578" cy="316089"/>
+          </a:xfrm>
+          <a:prstGeom prst="rect">
+            <a:avLst/>
+          </a:prstGeom>
+          <a:noFill/>
+          <a:ln>
+            <a:solidFill>
+              <a:schemeClr val="bg1"/>
+            </a:solidFill>
+          </a:ln>
         </p:spPr>
         <p:style>
           <a:lnRef idx="2">
@@ -7723,58 +7917,23 @@
           <a:lstStyle/>
           <a:p>
             <a:pPr algn="ctr"/>
-            <a:endParaRPr lang="en-US"/>
-          </a:p>
-        </p:txBody>
-      </p:sp>
-      <p:cxnSp>
-        <p:nvCxnSpPr>
-          <p:cNvPr id="71" name="Straight Arrow Connector 70">
+            <a:r>
+              <a:rPr lang="en-US" dirty="0">
+                <a:solidFill>
+                  <a:schemeClr val="tx1"/>
+                </a:solidFill>
+              </a:rPr>
+              <a:t>6 ft (76”)</a:t>
+            </a:r>
+          </a:p>
+        </p:txBody>
+      </p:sp>
+      <p:sp>
+        <p:nvSpPr>
+          <p:cNvPr id="8" name="Rectangle 7">
             <a:extLst>
               <a:ext uri="{FF2B5EF4-FFF2-40B4-BE49-F238E27FC236}">
-                <a16:creationId xmlns:a16="http://schemas.microsoft.com/office/drawing/2014/main" id="{213DABAB-2905-D712-E228-5714CC9EAED0}"/>
-              </a:ext>
-            </a:extLst>
-          </p:cNvPr>
-          <p:cNvCxnSpPr>
-            <a:cxnSpLocks/>
-          </p:cNvCxnSpPr>
-          <p:nvPr/>
-        </p:nvCxnSpPr>
-        <p:spPr>
-          <a:xfrm>
-            <a:off x="3431822" y="1614311"/>
-            <a:ext cx="0" cy="3815645"/>
-          </a:xfrm>
-          <a:prstGeom prst="straightConnector1">
-            <a:avLst/>
-          </a:prstGeom>
-          <a:ln>
-            <a:headEnd type="triangle" w="med" len="med"/>
-            <a:tailEnd type="triangle" w="med" len="med"/>
-          </a:ln>
-        </p:spPr>
-        <p:style>
-          <a:lnRef idx="1">
-            <a:schemeClr val="accent1"/>
-          </a:lnRef>
-          <a:fillRef idx="0">
-            <a:schemeClr val="accent1"/>
-          </a:fillRef>
-          <a:effectRef idx="0">
-            <a:schemeClr val="accent1"/>
-          </a:effectRef>
-          <a:fontRef idx="minor">
-            <a:schemeClr val="tx1"/>
-          </a:fontRef>
-        </p:style>
-      </p:cxnSp>
-      <p:sp>
-        <p:nvSpPr>
-          <p:cNvPr id="73" name="Rectangle 72">
-            <a:extLst>
-              <a:ext uri="{FF2B5EF4-FFF2-40B4-BE49-F238E27FC236}">
-                <a16:creationId xmlns:a16="http://schemas.microsoft.com/office/drawing/2014/main" id="{AD86D6F2-75C2-67C0-6397-28BDCD10E3F7}"/>
+                <a16:creationId xmlns:a16="http://schemas.microsoft.com/office/drawing/2014/main" id="{14B54364-863A-7797-A2B6-FD2E21837573}"/>
               </a:ext>
             </a:extLst>
           </p:cNvPr>
@@ -7783,18 +7942,12 @@
         </p:nvSpPr>
         <p:spPr>
           <a:xfrm>
-            <a:off x="2844800" y="3386666"/>
-            <a:ext cx="575733" cy="316089"/>
-          </a:xfrm>
-          <a:prstGeom prst="rect">
-            <a:avLst/>
-          </a:prstGeom>
-          <a:noFill/>
-          <a:ln>
-            <a:solidFill>
-              <a:schemeClr val="bg1"/>
-            </a:solidFill>
-          </a:ln>
+            <a:off x="3476978" y="5305777"/>
+            <a:ext cx="1941689" cy="191911"/>
+          </a:xfrm>
+          <a:prstGeom prst="rect">
+            <a:avLst/>
+          </a:prstGeom>
         </p:spPr>
         <p:style>
           <a:lnRef idx="2">
@@ -7817,23 +7970,16 @@
           <a:lstStyle/>
           <a:p>
             <a:pPr algn="ctr"/>
-            <a:r>
-              <a:rPr lang="en-US" dirty="0">
-                <a:solidFill>
-                  <a:schemeClr val="tx1"/>
-                </a:solidFill>
-              </a:rPr>
-              <a:t>8 ft</a:t>
-            </a:r>
-          </a:p>
-        </p:txBody>
-      </p:sp>
-      <p:sp>
-        <p:nvSpPr>
-          <p:cNvPr id="74" name="Rectangle 73">
+            <a:endParaRPr lang="en-US"/>
+          </a:p>
+        </p:txBody>
+      </p:sp>
+      <p:sp>
+        <p:nvSpPr>
+          <p:cNvPr id="11" name="Rectangle 10">
             <a:extLst>
               <a:ext uri="{FF2B5EF4-FFF2-40B4-BE49-F238E27FC236}">
-                <a16:creationId xmlns:a16="http://schemas.microsoft.com/office/drawing/2014/main" id="{8A8B0864-113D-1C70-C683-ED8F955FBFA4}"/>
+                <a16:creationId xmlns:a16="http://schemas.microsoft.com/office/drawing/2014/main" id="{095D140A-1D3D-5F2C-9302-E12986EF4335}"/>
               </a:ext>
             </a:extLst>
           </p:cNvPr>
@@ -7842,18 +7988,15 @@
         </p:nvSpPr>
         <p:spPr>
           <a:xfrm>
-            <a:off x="5503334" y="3414889"/>
-            <a:ext cx="575733" cy="316089"/>
-          </a:xfrm>
-          <a:prstGeom prst="rect">
-            <a:avLst/>
-          </a:prstGeom>
-          <a:noFill/>
-          <a:ln>
-            <a:solidFill>
-              <a:schemeClr val="bg1"/>
-            </a:solidFill>
-          </a:ln>
+            <a:off x="3488266" y="1162756"/>
+            <a:ext cx="135468" cy="2099732"/>
+          </a:xfrm>
+          <a:prstGeom prst="rect">
+            <a:avLst/>
+          </a:prstGeom>
+          <a:solidFill>
+            <a:schemeClr val="bg2"/>
+          </a:solidFill>
         </p:spPr>
         <p:style>
           <a:lnRef idx="2">
@@ -7876,23 +8019,911 @@
           <a:lstStyle/>
           <a:p>
             <a:pPr algn="ctr"/>
+            <a:endParaRPr lang="en-US"/>
+          </a:p>
+        </p:txBody>
+      </p:sp>
+      <p:sp>
+        <p:nvSpPr>
+          <p:cNvPr id="13" name="Rectangle 12">
+            <a:extLst>
+              <a:ext uri="{FF2B5EF4-FFF2-40B4-BE49-F238E27FC236}">
+                <a16:creationId xmlns:a16="http://schemas.microsoft.com/office/drawing/2014/main" id="{16C5C8D7-BDC6-1CE4-8E97-86FF9B4543C0}"/>
+              </a:ext>
+            </a:extLst>
+          </p:cNvPr>
+          <p:cNvSpPr/>
+          <p:nvPr/>
+        </p:nvSpPr>
+        <p:spPr>
+          <a:xfrm>
+            <a:off x="2274712" y="1834444"/>
+            <a:ext cx="1078089" cy="316089"/>
+          </a:xfrm>
+          <a:prstGeom prst="rect">
+            <a:avLst/>
+          </a:prstGeom>
+          <a:noFill/>
+          <a:ln>
+            <a:solidFill>
+              <a:schemeClr val="bg1"/>
+            </a:solidFill>
+          </a:ln>
+        </p:spPr>
+        <p:style>
+          <a:lnRef idx="2">
+            <a:schemeClr val="accent1">
+              <a:shade val="15000"/>
+            </a:schemeClr>
+          </a:lnRef>
+          <a:fillRef idx="1">
+            <a:schemeClr val="accent1"/>
+          </a:fillRef>
+          <a:effectRef idx="0">
+            <a:schemeClr val="accent1"/>
+          </a:effectRef>
+          <a:fontRef idx="minor">
+            <a:schemeClr val="lt1"/>
+          </a:fontRef>
+        </p:style>
+        <p:txBody>
+          <a:bodyPr rtlCol="0" anchor="ctr"/>
+          <a:lstStyle/>
+          <a:p>
+            <a:pPr algn="ctr"/>
             <a:r>
               <a:rPr lang="en-US" dirty="0">
                 <a:solidFill>
                   <a:schemeClr val="tx1"/>
                 </a:solidFill>
               </a:rPr>
-              <a:t>6 ft</a:t>
+              <a:t>Window</a:t>
             </a:r>
+          </a:p>
+        </p:txBody>
+      </p:sp>
+      <p:sp>
+        <p:nvSpPr>
+          <p:cNvPr id="14" name="Rectangle 13">
+            <a:extLst>
+              <a:ext uri="{FF2B5EF4-FFF2-40B4-BE49-F238E27FC236}">
+                <a16:creationId xmlns:a16="http://schemas.microsoft.com/office/drawing/2014/main" id="{AA255E7A-FA3F-D17A-EA32-F36010D7B9BD}"/>
+              </a:ext>
+            </a:extLst>
+          </p:cNvPr>
+          <p:cNvSpPr/>
+          <p:nvPr/>
+        </p:nvSpPr>
+        <p:spPr>
+          <a:xfrm>
+            <a:off x="3488266" y="2743200"/>
+            <a:ext cx="191912" cy="2743200"/>
+          </a:xfrm>
+          <a:prstGeom prst="rect">
+            <a:avLst/>
+          </a:prstGeom>
+        </p:spPr>
+        <p:style>
+          <a:lnRef idx="2">
+            <a:schemeClr val="accent1">
+              <a:shade val="15000"/>
+            </a:schemeClr>
+          </a:lnRef>
+          <a:fillRef idx="1">
+            <a:schemeClr val="accent1"/>
+          </a:fillRef>
+          <a:effectRef idx="0">
+            <a:schemeClr val="accent1"/>
+          </a:effectRef>
+          <a:fontRef idx="minor">
+            <a:schemeClr val="lt1"/>
+          </a:fontRef>
+        </p:style>
+        <p:txBody>
+          <a:bodyPr rtlCol="0" anchor="ctr"/>
+          <a:lstStyle/>
+          <a:p>
+            <a:pPr algn="ctr"/>
+            <a:endParaRPr lang="en-US"/>
+          </a:p>
+        </p:txBody>
+      </p:sp>
+      <p:sp>
+        <p:nvSpPr>
+          <p:cNvPr id="17" name="Rectangle 16">
+            <a:extLst>
+              <a:ext uri="{FF2B5EF4-FFF2-40B4-BE49-F238E27FC236}">
+                <a16:creationId xmlns:a16="http://schemas.microsoft.com/office/drawing/2014/main" id="{ABF9E80D-7915-146E-E1B7-83BEB754FF7D}"/>
+              </a:ext>
+            </a:extLst>
+          </p:cNvPr>
+          <p:cNvSpPr/>
+          <p:nvPr/>
+        </p:nvSpPr>
+        <p:spPr>
+          <a:xfrm>
+            <a:off x="4769556" y="2726266"/>
+            <a:ext cx="203200" cy="2619022"/>
+          </a:xfrm>
+          <a:prstGeom prst="rect">
+            <a:avLst/>
+          </a:prstGeom>
+        </p:spPr>
+        <p:style>
+          <a:lnRef idx="2">
+            <a:schemeClr val="accent1">
+              <a:shade val="15000"/>
+            </a:schemeClr>
+          </a:lnRef>
+          <a:fillRef idx="1">
+            <a:schemeClr val="accent1"/>
+          </a:fillRef>
+          <a:effectRef idx="0">
+            <a:schemeClr val="accent1"/>
+          </a:effectRef>
+          <a:fontRef idx="minor">
+            <a:schemeClr val="lt1"/>
+          </a:fontRef>
+        </p:style>
+        <p:txBody>
+          <a:bodyPr rtlCol="0" anchor="ctr"/>
+          <a:lstStyle/>
+          <a:p>
+            <a:pPr algn="ctr"/>
+            <a:endParaRPr lang="en-US"/>
+          </a:p>
+        </p:txBody>
+      </p:sp>
+      <p:sp>
+        <p:nvSpPr>
+          <p:cNvPr id="18" name="Rectangle 17">
+            <a:extLst>
+              <a:ext uri="{FF2B5EF4-FFF2-40B4-BE49-F238E27FC236}">
+                <a16:creationId xmlns:a16="http://schemas.microsoft.com/office/drawing/2014/main" id="{7BBBCC29-AE3C-7AD6-4031-D4A4968D8BFA}"/>
+              </a:ext>
+            </a:extLst>
+          </p:cNvPr>
+          <p:cNvSpPr/>
+          <p:nvPr/>
+        </p:nvSpPr>
+        <p:spPr>
+          <a:xfrm>
+            <a:off x="3476978" y="2799644"/>
+            <a:ext cx="1964267" cy="146756"/>
+          </a:xfrm>
+          <a:prstGeom prst="rect">
+            <a:avLst/>
+          </a:prstGeom>
+        </p:spPr>
+        <p:style>
+          <a:lnRef idx="2">
+            <a:schemeClr val="accent1">
+              <a:shade val="15000"/>
+            </a:schemeClr>
+          </a:lnRef>
+          <a:fillRef idx="1">
+            <a:schemeClr val="accent1"/>
+          </a:fillRef>
+          <a:effectRef idx="0">
+            <a:schemeClr val="accent1"/>
+          </a:effectRef>
+          <a:fontRef idx="minor">
+            <a:schemeClr val="lt1"/>
+          </a:fontRef>
+        </p:style>
+        <p:txBody>
+          <a:bodyPr rtlCol="0" anchor="ctr"/>
+          <a:lstStyle/>
+          <a:p>
+            <a:pPr algn="ctr"/>
+            <a:endParaRPr lang="en-US"/>
+          </a:p>
+        </p:txBody>
+      </p:sp>
+      <p:sp>
+        <p:nvSpPr>
+          <p:cNvPr id="29" name="Rectangle 28">
+            <a:extLst>
+              <a:ext uri="{FF2B5EF4-FFF2-40B4-BE49-F238E27FC236}">
+                <a16:creationId xmlns:a16="http://schemas.microsoft.com/office/drawing/2014/main" id="{961C1669-F190-749D-B1D9-DEB5FEFD539A}"/>
+              </a:ext>
+            </a:extLst>
+          </p:cNvPr>
+          <p:cNvSpPr/>
+          <p:nvPr/>
+        </p:nvSpPr>
+        <p:spPr>
+          <a:xfrm>
+            <a:off x="6011334" y="2816576"/>
+            <a:ext cx="174977" cy="2748845"/>
+          </a:xfrm>
+          <a:prstGeom prst="rect">
+            <a:avLst/>
+          </a:prstGeom>
+        </p:spPr>
+        <p:style>
+          <a:lnRef idx="2">
+            <a:schemeClr val="accent1">
+              <a:shade val="15000"/>
+            </a:schemeClr>
+          </a:lnRef>
+          <a:fillRef idx="1">
+            <a:schemeClr val="accent1"/>
+          </a:fillRef>
+          <a:effectRef idx="0">
+            <a:schemeClr val="accent1"/>
+          </a:effectRef>
+          <a:fontRef idx="minor">
+            <a:schemeClr val="lt1"/>
+          </a:fontRef>
+        </p:style>
+        <p:txBody>
+          <a:bodyPr rtlCol="0" anchor="ctr"/>
+          <a:lstStyle/>
+          <a:p>
+            <a:pPr algn="ctr"/>
+            <a:endParaRPr lang="en-US"/>
+          </a:p>
+        </p:txBody>
+      </p:sp>
+      <p:sp>
+        <p:nvSpPr>
+          <p:cNvPr id="31" name="Rectangle 30">
+            <a:extLst>
+              <a:ext uri="{FF2B5EF4-FFF2-40B4-BE49-F238E27FC236}">
+                <a16:creationId xmlns:a16="http://schemas.microsoft.com/office/drawing/2014/main" id="{9F112AD9-9085-034B-2434-78E9F92915DA}"/>
+              </a:ext>
+            </a:extLst>
+          </p:cNvPr>
+          <p:cNvSpPr/>
+          <p:nvPr/>
+        </p:nvSpPr>
+        <p:spPr>
+          <a:xfrm>
+            <a:off x="3437468" y="5717821"/>
+            <a:ext cx="1698977" cy="316089"/>
+          </a:xfrm>
+          <a:prstGeom prst="rect">
+            <a:avLst/>
+          </a:prstGeom>
+          <a:noFill/>
+          <a:ln>
+            <a:solidFill>
+              <a:schemeClr val="bg1"/>
+            </a:solidFill>
+          </a:ln>
+        </p:spPr>
+        <p:style>
+          <a:lnRef idx="2">
+            <a:schemeClr val="accent1">
+              <a:shade val="15000"/>
+            </a:schemeClr>
+          </a:lnRef>
+          <a:fillRef idx="1">
+            <a:schemeClr val="accent1"/>
+          </a:fillRef>
+          <a:effectRef idx="0">
+            <a:schemeClr val="accent1"/>
+          </a:effectRef>
+          <a:fontRef idx="minor">
+            <a:schemeClr val="lt1"/>
+          </a:fontRef>
+        </p:style>
+        <p:txBody>
+          <a:bodyPr rtlCol="0" anchor="ctr"/>
+          <a:lstStyle/>
+          <a:p>
+            <a:pPr algn="ctr"/>
+            <a:r>
+              <a:rPr lang="en-US" dirty="0">
+                <a:solidFill>
+                  <a:schemeClr val="tx1"/>
+                </a:solidFill>
+              </a:rPr>
+              <a:t>Front View</a:t>
+            </a:r>
+          </a:p>
+        </p:txBody>
+      </p:sp>
+      <p:sp>
+        <p:nvSpPr>
+          <p:cNvPr id="66" name="Rectangle 65">
+            <a:extLst>
+              <a:ext uri="{FF2B5EF4-FFF2-40B4-BE49-F238E27FC236}">
+                <a16:creationId xmlns:a16="http://schemas.microsoft.com/office/drawing/2014/main" id="{AD46979D-CA0B-1813-631D-87C2272F6EA1}"/>
+              </a:ext>
+            </a:extLst>
+          </p:cNvPr>
+          <p:cNvSpPr/>
+          <p:nvPr/>
+        </p:nvSpPr>
+        <p:spPr>
+          <a:xfrm>
+            <a:off x="6502402" y="5689598"/>
+            <a:ext cx="1698977" cy="316089"/>
+          </a:xfrm>
+          <a:prstGeom prst="rect">
+            <a:avLst/>
+          </a:prstGeom>
+          <a:noFill/>
+          <a:ln>
+            <a:solidFill>
+              <a:schemeClr val="bg1"/>
+            </a:solidFill>
+          </a:ln>
+        </p:spPr>
+        <p:style>
+          <a:lnRef idx="2">
+            <a:schemeClr val="accent1">
+              <a:shade val="15000"/>
+            </a:schemeClr>
+          </a:lnRef>
+          <a:fillRef idx="1">
+            <a:schemeClr val="accent1"/>
+          </a:fillRef>
+          <a:effectRef idx="0">
+            <a:schemeClr val="accent1"/>
+          </a:effectRef>
+          <a:fontRef idx="minor">
+            <a:schemeClr val="lt1"/>
+          </a:fontRef>
+        </p:style>
+        <p:txBody>
+          <a:bodyPr rtlCol="0" anchor="ctr"/>
+          <a:lstStyle/>
+          <a:p>
+            <a:pPr algn="ctr"/>
+            <a:r>
+              <a:rPr lang="en-US" dirty="0">
+                <a:solidFill>
+                  <a:schemeClr val="tx1"/>
+                </a:solidFill>
+              </a:rPr>
+              <a:t>Side View</a:t>
+            </a:r>
+          </a:p>
+        </p:txBody>
+      </p:sp>
+      <p:sp>
+        <p:nvSpPr>
+          <p:cNvPr id="68" name="Rectangle 67">
+            <a:extLst>
+              <a:ext uri="{FF2B5EF4-FFF2-40B4-BE49-F238E27FC236}">
+                <a16:creationId xmlns:a16="http://schemas.microsoft.com/office/drawing/2014/main" id="{FE204D88-B304-273A-426D-AA46ADC26293}"/>
+              </a:ext>
+            </a:extLst>
+          </p:cNvPr>
+          <p:cNvSpPr/>
+          <p:nvPr/>
+        </p:nvSpPr>
+        <p:spPr>
+          <a:xfrm>
+            <a:off x="5435601" y="1800577"/>
+            <a:ext cx="1134533" cy="316089"/>
+          </a:xfrm>
+          <a:prstGeom prst="rect">
+            <a:avLst/>
+          </a:prstGeom>
+          <a:noFill/>
+          <a:ln>
+            <a:solidFill>
+              <a:schemeClr val="bg1"/>
+            </a:solidFill>
+          </a:ln>
+        </p:spPr>
+        <p:style>
+          <a:lnRef idx="2">
+            <a:schemeClr val="accent1">
+              <a:shade val="15000"/>
+            </a:schemeClr>
+          </a:lnRef>
+          <a:fillRef idx="1">
+            <a:schemeClr val="accent1"/>
+          </a:fillRef>
+          <a:effectRef idx="0">
+            <a:schemeClr val="accent1"/>
+          </a:effectRef>
+          <a:fontRef idx="minor">
+            <a:schemeClr val="lt1"/>
+          </a:fontRef>
+        </p:style>
+        <p:txBody>
+          <a:bodyPr rtlCol="0" anchor="ctr"/>
+          <a:lstStyle/>
+          <a:p>
+            <a:pPr algn="ctr"/>
+            <a:r>
+              <a:rPr lang="en-US" dirty="0">
+                <a:solidFill>
+                  <a:schemeClr val="tx1"/>
+                </a:solidFill>
+              </a:rPr>
+              <a:t>Window</a:t>
+            </a:r>
+          </a:p>
+        </p:txBody>
+      </p:sp>
+      <p:sp>
+        <p:nvSpPr>
+          <p:cNvPr id="69" name="Rectangle 68">
+            <a:extLst>
+              <a:ext uri="{FF2B5EF4-FFF2-40B4-BE49-F238E27FC236}">
+                <a16:creationId xmlns:a16="http://schemas.microsoft.com/office/drawing/2014/main" id="{CE47C392-5165-89C4-C63F-B9A3B5C7CED1}"/>
+              </a:ext>
+            </a:extLst>
+          </p:cNvPr>
+          <p:cNvSpPr/>
+          <p:nvPr/>
+        </p:nvSpPr>
+        <p:spPr>
+          <a:xfrm>
+            <a:off x="6575777" y="1224845"/>
+            <a:ext cx="1665112" cy="2099732"/>
+          </a:xfrm>
+          <a:prstGeom prst="rect">
+            <a:avLst/>
+          </a:prstGeom>
+          <a:solidFill>
+            <a:schemeClr val="bg2"/>
+          </a:solidFill>
+        </p:spPr>
+        <p:style>
+          <a:lnRef idx="2">
+            <a:schemeClr val="accent1">
+              <a:shade val="15000"/>
+            </a:schemeClr>
+          </a:lnRef>
+          <a:fillRef idx="1">
+            <a:schemeClr val="accent1"/>
+          </a:fillRef>
+          <a:effectRef idx="0">
+            <a:schemeClr val="accent1"/>
+          </a:effectRef>
+          <a:fontRef idx="minor">
+            <a:schemeClr val="lt1"/>
+          </a:fontRef>
+        </p:style>
+        <p:txBody>
+          <a:bodyPr rtlCol="0" anchor="ctr"/>
+          <a:lstStyle/>
+          <a:p>
+            <a:pPr algn="ctr"/>
+            <a:endParaRPr lang="en-US"/>
+          </a:p>
+        </p:txBody>
+      </p:sp>
+      <p:sp>
+        <p:nvSpPr>
+          <p:cNvPr id="70" name="Rectangle 69">
+            <a:extLst>
+              <a:ext uri="{FF2B5EF4-FFF2-40B4-BE49-F238E27FC236}">
+                <a16:creationId xmlns:a16="http://schemas.microsoft.com/office/drawing/2014/main" id="{07AAA703-1423-D0FA-1F75-B8168ED7F16A}"/>
+              </a:ext>
+            </a:extLst>
+          </p:cNvPr>
+          <p:cNvSpPr/>
+          <p:nvPr/>
+        </p:nvSpPr>
+        <p:spPr>
+          <a:xfrm>
+            <a:off x="8387644" y="2799644"/>
+            <a:ext cx="180623" cy="2698045"/>
+          </a:xfrm>
+          <a:prstGeom prst="rect">
+            <a:avLst/>
+          </a:prstGeom>
+          <a:solidFill>
+            <a:schemeClr val="accent2"/>
+          </a:solidFill>
+        </p:spPr>
+        <p:style>
+          <a:lnRef idx="2">
+            <a:schemeClr val="accent1">
+              <a:shade val="15000"/>
+            </a:schemeClr>
+          </a:lnRef>
+          <a:fillRef idx="1">
+            <a:schemeClr val="accent1"/>
+          </a:fillRef>
+          <a:effectRef idx="0">
+            <a:schemeClr val="accent1"/>
+          </a:effectRef>
+          <a:fontRef idx="minor">
+            <a:schemeClr val="lt1"/>
+          </a:fontRef>
+        </p:style>
+        <p:txBody>
+          <a:bodyPr rtlCol="0" anchor="ctr"/>
+          <a:lstStyle/>
+          <a:p>
+            <a:pPr algn="ctr"/>
+            <a:endParaRPr lang="en-US"/>
+          </a:p>
+        </p:txBody>
+      </p:sp>
+      <p:sp>
+        <p:nvSpPr>
+          <p:cNvPr id="72" name="Rectangle 71">
+            <a:extLst>
+              <a:ext uri="{FF2B5EF4-FFF2-40B4-BE49-F238E27FC236}">
+                <a16:creationId xmlns:a16="http://schemas.microsoft.com/office/drawing/2014/main" id="{FE72B97D-D3D5-4364-8FA3-0938C7C26A73}"/>
+              </a:ext>
+            </a:extLst>
+          </p:cNvPr>
+          <p:cNvSpPr/>
+          <p:nvPr/>
+        </p:nvSpPr>
+        <p:spPr>
+          <a:xfrm>
+            <a:off x="6050844" y="3663243"/>
+            <a:ext cx="2466623" cy="231423"/>
+          </a:xfrm>
+          <a:prstGeom prst="rect">
+            <a:avLst/>
+          </a:prstGeom>
+        </p:spPr>
+        <p:style>
+          <a:lnRef idx="2">
+            <a:schemeClr val="accent1">
+              <a:shade val="15000"/>
+            </a:schemeClr>
+          </a:lnRef>
+          <a:fillRef idx="1">
+            <a:schemeClr val="accent1"/>
+          </a:fillRef>
+          <a:effectRef idx="0">
+            <a:schemeClr val="accent1"/>
+          </a:effectRef>
+          <a:fontRef idx="minor">
+            <a:schemeClr val="lt1"/>
+          </a:fontRef>
+        </p:style>
+        <p:txBody>
+          <a:bodyPr rtlCol="0" anchor="ctr"/>
+          <a:lstStyle/>
+          <a:p>
+            <a:pPr algn="ctr"/>
+            <a:endParaRPr lang="en-US"/>
+          </a:p>
+        </p:txBody>
+      </p:sp>
+      <p:sp>
+        <p:nvSpPr>
+          <p:cNvPr id="76" name="Rectangle 75">
+            <a:extLst>
+              <a:ext uri="{FF2B5EF4-FFF2-40B4-BE49-F238E27FC236}">
+                <a16:creationId xmlns:a16="http://schemas.microsoft.com/office/drawing/2014/main" id="{69A2478E-742D-5549-26A8-215F6A1CEF54}"/>
+              </a:ext>
+            </a:extLst>
+          </p:cNvPr>
+          <p:cNvSpPr/>
+          <p:nvPr/>
+        </p:nvSpPr>
+        <p:spPr>
+          <a:xfrm>
+            <a:off x="6197600" y="5294489"/>
+            <a:ext cx="2348089" cy="248356"/>
+          </a:xfrm>
+          <a:prstGeom prst="rect">
+            <a:avLst/>
+          </a:prstGeom>
+        </p:spPr>
+        <p:style>
+          <a:lnRef idx="2">
+            <a:schemeClr val="accent1">
+              <a:shade val="15000"/>
+            </a:schemeClr>
+          </a:lnRef>
+          <a:fillRef idx="1">
+            <a:schemeClr val="accent1"/>
+          </a:fillRef>
+          <a:effectRef idx="0">
+            <a:schemeClr val="accent1"/>
+          </a:effectRef>
+          <a:fontRef idx="minor">
+            <a:schemeClr val="lt1"/>
+          </a:fontRef>
+        </p:style>
+        <p:txBody>
+          <a:bodyPr rtlCol="0" anchor="ctr"/>
+          <a:lstStyle/>
+          <a:p>
+            <a:pPr algn="ctr"/>
+            <a:endParaRPr lang="en-US"/>
           </a:p>
         </p:txBody>
       </p:sp>
       <p:cxnSp>
         <p:nvCxnSpPr>
-          <p:cNvPr id="75" name="Straight Arrow Connector 74">
+          <p:cNvPr id="78" name="Straight Arrow Connector 77">
             <a:extLst>
               <a:ext uri="{FF2B5EF4-FFF2-40B4-BE49-F238E27FC236}">
-                <a16:creationId xmlns:a16="http://schemas.microsoft.com/office/drawing/2014/main" id="{9BFB1FA0-0CDB-198C-24F1-839EFF8657F6}"/>
+                <a16:creationId xmlns:a16="http://schemas.microsoft.com/office/drawing/2014/main" id="{731EB1B0-5AD3-F338-9021-7A663F0B7F54}"/>
+              </a:ext>
+            </a:extLst>
+          </p:cNvPr>
+          <p:cNvCxnSpPr/>
+          <p:nvPr/>
+        </p:nvCxnSpPr>
+        <p:spPr>
+          <a:xfrm flipH="1">
+            <a:off x="5836356" y="5565422"/>
+            <a:ext cx="575733" cy="485422"/>
+          </a:xfrm>
+          <a:prstGeom prst="straightConnector1">
+            <a:avLst/>
+          </a:prstGeom>
+          <a:ln>
+            <a:tailEnd type="triangle"/>
+          </a:ln>
+        </p:spPr>
+        <p:style>
+          <a:lnRef idx="1">
+            <a:schemeClr val="accent1"/>
+          </a:lnRef>
+          <a:fillRef idx="0">
+            <a:schemeClr val="accent1"/>
+          </a:fillRef>
+          <a:effectRef idx="0">
+            <a:schemeClr val="accent1"/>
+          </a:effectRef>
+          <a:fontRef idx="minor">
+            <a:schemeClr val="tx1"/>
+          </a:fontRef>
+        </p:style>
+      </p:cxnSp>
+      <p:sp>
+        <p:nvSpPr>
+          <p:cNvPr id="79" name="Rectangle 78">
+            <a:extLst>
+              <a:ext uri="{FF2B5EF4-FFF2-40B4-BE49-F238E27FC236}">
+                <a16:creationId xmlns:a16="http://schemas.microsoft.com/office/drawing/2014/main" id="{D078B4FA-EF01-CBEF-6A00-E67A505E3119}"/>
+              </a:ext>
+            </a:extLst>
+          </p:cNvPr>
+          <p:cNvSpPr/>
+          <p:nvPr/>
+        </p:nvSpPr>
+        <p:spPr>
+          <a:xfrm>
+            <a:off x="5497689" y="6101643"/>
+            <a:ext cx="1275646" cy="316089"/>
+          </a:xfrm>
+          <a:prstGeom prst="rect">
+            <a:avLst/>
+          </a:prstGeom>
+          <a:noFill/>
+          <a:ln>
+            <a:solidFill>
+              <a:schemeClr val="bg1"/>
+            </a:solidFill>
+          </a:ln>
+        </p:spPr>
+        <p:style>
+          <a:lnRef idx="2">
+            <a:schemeClr val="accent1">
+              <a:shade val="15000"/>
+            </a:schemeClr>
+          </a:lnRef>
+          <a:fillRef idx="1">
+            <a:schemeClr val="accent1"/>
+          </a:fillRef>
+          <a:effectRef idx="0">
+            <a:schemeClr val="accent1"/>
+          </a:effectRef>
+          <a:fontRef idx="minor">
+            <a:schemeClr val="lt1"/>
+          </a:fontRef>
+        </p:style>
+        <p:txBody>
+          <a:bodyPr rtlCol="0" anchor="ctr"/>
+          <a:lstStyle/>
+          <a:p>
+            <a:pPr algn="ctr"/>
+            <a:r>
+              <a:rPr lang="en-US" dirty="0">
+                <a:solidFill>
+                  <a:schemeClr val="tx1"/>
+                </a:solidFill>
+              </a:rPr>
+              <a:t>4” x 4” x 8’</a:t>
+            </a:r>
+          </a:p>
+        </p:txBody>
+      </p:sp>
+      <p:cxnSp>
+        <p:nvCxnSpPr>
+          <p:cNvPr id="81" name="Straight Arrow Connector 80">
+            <a:extLst>
+              <a:ext uri="{FF2B5EF4-FFF2-40B4-BE49-F238E27FC236}">
+                <a16:creationId xmlns:a16="http://schemas.microsoft.com/office/drawing/2014/main" id="{A96C3228-4FFC-9584-2FAF-F4238A999200}"/>
+              </a:ext>
+            </a:extLst>
+          </p:cNvPr>
+          <p:cNvCxnSpPr/>
+          <p:nvPr/>
+        </p:nvCxnSpPr>
+        <p:spPr>
+          <a:xfrm>
+            <a:off x="4707467" y="5520267"/>
+            <a:ext cx="948266" cy="587022"/>
+          </a:xfrm>
+          <a:prstGeom prst="straightConnector1">
+            <a:avLst/>
+          </a:prstGeom>
+          <a:ln>
+            <a:tailEnd type="triangle"/>
+          </a:ln>
+        </p:spPr>
+        <p:style>
+          <a:lnRef idx="1">
+            <a:schemeClr val="accent1"/>
+          </a:lnRef>
+          <a:fillRef idx="0">
+            <a:schemeClr val="accent1"/>
+          </a:fillRef>
+          <a:effectRef idx="0">
+            <a:schemeClr val="accent1"/>
+          </a:effectRef>
+          <a:fontRef idx="minor">
+            <a:schemeClr val="tx1"/>
+          </a:fontRef>
+        </p:style>
+      </p:cxnSp>
+      <p:sp>
+        <p:nvSpPr>
+          <p:cNvPr id="82" name="Rectangle 81">
+            <a:extLst>
+              <a:ext uri="{FF2B5EF4-FFF2-40B4-BE49-F238E27FC236}">
+                <a16:creationId xmlns:a16="http://schemas.microsoft.com/office/drawing/2014/main" id="{CF9CE186-723D-2B96-F6E0-1EB85BCA8C88}"/>
+              </a:ext>
+            </a:extLst>
+          </p:cNvPr>
+          <p:cNvSpPr/>
+          <p:nvPr/>
+        </p:nvSpPr>
+        <p:spPr>
+          <a:xfrm>
+            <a:off x="6462888" y="4481687"/>
+            <a:ext cx="1275646" cy="316089"/>
+          </a:xfrm>
+          <a:prstGeom prst="rect">
+            <a:avLst/>
+          </a:prstGeom>
+          <a:noFill/>
+          <a:ln>
+            <a:solidFill>
+              <a:schemeClr val="bg1"/>
+            </a:solidFill>
+          </a:ln>
+        </p:spPr>
+        <p:style>
+          <a:lnRef idx="2">
+            <a:schemeClr val="accent1">
+              <a:shade val="15000"/>
+            </a:schemeClr>
+          </a:lnRef>
+          <a:fillRef idx="1">
+            <a:schemeClr val="accent1"/>
+          </a:fillRef>
+          <a:effectRef idx="0">
+            <a:schemeClr val="accent1"/>
+          </a:effectRef>
+          <a:fontRef idx="minor">
+            <a:schemeClr val="lt1"/>
+          </a:fontRef>
+        </p:style>
+        <p:txBody>
+          <a:bodyPr rtlCol="0" anchor="ctr"/>
+          <a:lstStyle/>
+          <a:p>
+            <a:pPr algn="ctr"/>
+            <a:r>
+              <a:rPr lang="en-US" dirty="0">
+                <a:solidFill>
+                  <a:schemeClr val="tx1"/>
+                </a:solidFill>
+              </a:rPr>
+              <a:t>2” x 4” x 8’</a:t>
+            </a:r>
+          </a:p>
+        </p:txBody>
+      </p:sp>
+      <p:sp>
+        <p:nvSpPr>
+          <p:cNvPr id="83" name="Rectangle 82">
+            <a:extLst>
+              <a:ext uri="{FF2B5EF4-FFF2-40B4-BE49-F238E27FC236}">
+                <a16:creationId xmlns:a16="http://schemas.microsoft.com/office/drawing/2014/main" id="{DD51AB71-E1E5-247A-51B1-46D4E6E37814}"/>
+              </a:ext>
+            </a:extLst>
+          </p:cNvPr>
+          <p:cNvSpPr/>
+          <p:nvPr/>
+        </p:nvSpPr>
+        <p:spPr>
+          <a:xfrm>
+            <a:off x="3550353" y="3629381"/>
+            <a:ext cx="101600" cy="237066"/>
+          </a:xfrm>
+          <a:prstGeom prst="rect">
+            <a:avLst/>
+          </a:prstGeom>
+        </p:spPr>
+        <p:style>
+          <a:lnRef idx="2">
+            <a:schemeClr val="accent1">
+              <a:shade val="15000"/>
+            </a:schemeClr>
+          </a:lnRef>
+          <a:fillRef idx="1">
+            <a:schemeClr val="accent1"/>
+          </a:fillRef>
+          <a:effectRef idx="0">
+            <a:schemeClr val="accent1"/>
+          </a:effectRef>
+          <a:fontRef idx="minor">
+            <a:schemeClr val="lt1"/>
+          </a:fontRef>
+        </p:style>
+        <p:txBody>
+          <a:bodyPr rtlCol="0" anchor="ctr"/>
+          <a:lstStyle/>
+          <a:p>
+            <a:pPr algn="ctr"/>
+            <a:endParaRPr lang="en-US"/>
+          </a:p>
+        </p:txBody>
+      </p:sp>
+      <p:cxnSp>
+        <p:nvCxnSpPr>
+          <p:cNvPr id="84" name="Straight Arrow Connector 83">
+            <a:extLst>
+              <a:ext uri="{FF2B5EF4-FFF2-40B4-BE49-F238E27FC236}">
+                <a16:creationId xmlns:a16="http://schemas.microsoft.com/office/drawing/2014/main" id="{03C3B081-63FE-C776-55E7-DB4BE8934DA9}"/>
+              </a:ext>
+            </a:extLst>
+          </p:cNvPr>
+          <p:cNvCxnSpPr>
+            <a:cxnSpLocks/>
+            <a:stCxn id="72" idx="2"/>
+            <a:endCxn id="82" idx="0"/>
+          </p:cNvCxnSpPr>
+          <p:nvPr/>
+        </p:nvCxnSpPr>
+        <p:spPr>
+          <a:xfrm flipH="1">
+            <a:off x="7100711" y="3894666"/>
+            <a:ext cx="183445" cy="587021"/>
+          </a:xfrm>
+          <a:prstGeom prst="straightConnector1">
+            <a:avLst/>
+          </a:prstGeom>
+          <a:ln>
+            <a:tailEnd type="triangle"/>
+          </a:ln>
+        </p:spPr>
+        <p:style>
+          <a:lnRef idx="1">
+            <a:schemeClr val="accent1"/>
+          </a:lnRef>
+          <a:fillRef idx="0">
+            <a:schemeClr val="accent1"/>
+          </a:fillRef>
+          <a:effectRef idx="0">
+            <a:schemeClr val="accent1"/>
+          </a:effectRef>
+          <a:fontRef idx="minor">
+            <a:schemeClr val="tx1"/>
+          </a:fontRef>
+        </p:style>
+      </p:cxnSp>
+      <p:cxnSp>
+        <p:nvCxnSpPr>
+          <p:cNvPr id="87" name="Straight Arrow Connector 86">
+            <a:extLst>
+              <a:ext uri="{FF2B5EF4-FFF2-40B4-BE49-F238E27FC236}">
+                <a16:creationId xmlns:a16="http://schemas.microsoft.com/office/drawing/2014/main" id="{A547A6E6-B96E-EB06-B32A-857A15E0E956}"/>
               </a:ext>
             </a:extLst>
           </p:cNvPr>
@@ -7903,15 +8934,14 @@
         </p:nvCxnSpPr>
         <p:spPr>
           <a:xfrm>
-            <a:off x="5627511" y="2748845"/>
-            <a:ext cx="0" cy="2590799"/>
+            <a:off x="3640667" y="3753555"/>
+            <a:ext cx="2918177" cy="807156"/>
           </a:xfrm>
           <a:prstGeom prst="straightConnector1">
             <a:avLst/>
           </a:prstGeom>
           <a:ln>
-            <a:headEnd type="triangle" w="med" len="med"/>
-            <a:tailEnd type="triangle" w="med" len="med"/>
+            <a:tailEnd type="triangle"/>
           </a:ln>
         </p:spPr>
         <p:style>
@@ -8054,7 +9084,7 @@
           <a:p>
             <a:fld id="{D9E850A2-ABF5-4059-9BCE-B29DE6BE7EDD}" type="datetime1">
               <a:rPr lang="en-US"/>
-              <a:t>2/20/2026</a:t>
+              <a:t>2/21/2026</a:t>
             </a:fld>
             <a:endParaRPr lang="en-US"/>
           </a:p>

--- a/Palo_Alto_2581/000_PaloAlto_2581_Shed.pptx
+++ b/Palo_Alto_2581/000_PaloAlto_2581_Shed.pptx
@@ -7293,6 +7293,9 @@
           <a:prstGeom prst="rect">
             <a:avLst/>
           </a:prstGeom>
+          <a:solidFill>
+            <a:schemeClr val="accent2"/>
+          </a:solidFill>
         </p:spPr>
         <p:style>
           <a:lnRef idx="2">
@@ -7339,6 +7342,9 @@
           <a:prstGeom prst="rect">
             <a:avLst/>
           </a:prstGeom>
+          <a:solidFill>
+            <a:schemeClr val="accent2"/>
+          </a:solidFill>
         </p:spPr>
         <p:style>
           <a:lnRef idx="2">
@@ -7385,6 +7391,9 @@
           <a:prstGeom prst="rect">
             <a:avLst/>
           </a:prstGeom>
+          <a:solidFill>
+            <a:schemeClr val="accent2"/>
+          </a:solidFill>
         </p:spPr>
         <p:style>
           <a:lnRef idx="2">
@@ -7431,6 +7440,9 @@
           <a:prstGeom prst="rect">
             <a:avLst/>
           </a:prstGeom>
+          <a:solidFill>
+            <a:schemeClr val="accent2"/>
+          </a:solidFill>
         </p:spPr>
         <p:style>
           <a:lnRef idx="2">
@@ -7477,6 +7489,9 @@
           <a:prstGeom prst="rect">
             <a:avLst/>
           </a:prstGeom>
+          <a:solidFill>
+            <a:schemeClr val="accent2"/>
+          </a:solidFill>
         </p:spPr>
         <p:style>
           <a:lnRef idx="2">
@@ -7523,6 +7538,9 @@
           <a:prstGeom prst="rect">
             <a:avLst/>
           </a:prstGeom>
+          <a:solidFill>
+            <a:schemeClr val="accent2"/>
+          </a:solidFill>
         </p:spPr>
         <p:style>
           <a:lnRef idx="2">
@@ -7569,6 +7587,9 @@
           <a:prstGeom prst="rect">
             <a:avLst/>
           </a:prstGeom>
+          <a:solidFill>
+            <a:schemeClr val="accent2"/>
+          </a:solidFill>
         </p:spPr>
         <p:style>
           <a:lnRef idx="2">
@@ -7948,6 +7969,9 @@
           <a:prstGeom prst="rect">
             <a:avLst/>
           </a:prstGeom>
+          <a:solidFill>
+            <a:schemeClr val="accent2"/>
+          </a:solidFill>
         </p:spPr>
         <p:style>
           <a:lnRef idx="2">
@@ -7988,8 +8012,8 @@
         </p:nvSpPr>
         <p:spPr>
           <a:xfrm>
-            <a:off x="3488266" y="1162756"/>
-            <a:ext cx="135468" cy="2099732"/>
+            <a:off x="3476979" y="1896533"/>
+            <a:ext cx="169332" cy="1557866"/>
           </a:xfrm>
           <a:prstGeom prst="rect">
             <a:avLst/>
@@ -8025,10 +8049,10 @@
       </p:sp>
       <p:sp>
         <p:nvSpPr>
-          <p:cNvPr id="13" name="Rectangle 12">
+          <p:cNvPr id="14" name="Rectangle 13">
             <a:extLst>
               <a:ext uri="{FF2B5EF4-FFF2-40B4-BE49-F238E27FC236}">
-                <a16:creationId xmlns:a16="http://schemas.microsoft.com/office/drawing/2014/main" id="{16C5C8D7-BDC6-1CE4-8E97-86FF9B4543C0}"/>
+                <a16:creationId xmlns:a16="http://schemas.microsoft.com/office/drawing/2014/main" id="{AA255E7A-FA3F-D17A-EA32-F36010D7B9BD}"/>
               </a:ext>
             </a:extLst>
           </p:cNvPr>
@@ -8037,18 +8061,15 @@
         </p:nvSpPr>
         <p:spPr>
           <a:xfrm>
-            <a:off x="2274712" y="1834444"/>
-            <a:ext cx="1078089" cy="316089"/>
-          </a:xfrm>
-          <a:prstGeom prst="rect">
-            <a:avLst/>
-          </a:prstGeom>
-          <a:noFill/>
-          <a:ln>
-            <a:solidFill>
-              <a:schemeClr val="bg1"/>
-            </a:solidFill>
-          </a:ln>
+            <a:off x="3488266" y="2743200"/>
+            <a:ext cx="191912" cy="2743200"/>
+          </a:xfrm>
+          <a:prstGeom prst="rect">
+            <a:avLst/>
+          </a:prstGeom>
+          <a:solidFill>
+            <a:schemeClr val="accent2"/>
+          </a:solidFill>
         </p:spPr>
         <p:style>
           <a:lnRef idx="2">
@@ -8071,23 +8092,16 @@
           <a:lstStyle/>
           <a:p>
             <a:pPr algn="ctr"/>
-            <a:r>
-              <a:rPr lang="en-US" dirty="0">
-                <a:solidFill>
-                  <a:schemeClr val="tx1"/>
-                </a:solidFill>
-              </a:rPr>
-              <a:t>Window</a:t>
-            </a:r>
-          </a:p>
-        </p:txBody>
-      </p:sp>
-      <p:sp>
-        <p:nvSpPr>
-          <p:cNvPr id="14" name="Rectangle 13">
+            <a:endParaRPr lang="en-US"/>
+          </a:p>
+        </p:txBody>
+      </p:sp>
+      <p:sp>
+        <p:nvSpPr>
+          <p:cNvPr id="17" name="Rectangle 16">
             <a:extLst>
               <a:ext uri="{FF2B5EF4-FFF2-40B4-BE49-F238E27FC236}">
-                <a16:creationId xmlns:a16="http://schemas.microsoft.com/office/drawing/2014/main" id="{AA255E7A-FA3F-D17A-EA32-F36010D7B9BD}"/>
+                <a16:creationId xmlns:a16="http://schemas.microsoft.com/office/drawing/2014/main" id="{ABF9E80D-7915-146E-E1B7-83BEB754FF7D}"/>
               </a:ext>
             </a:extLst>
           </p:cNvPr>
@@ -8096,12 +8110,15 @@
         </p:nvSpPr>
         <p:spPr>
           <a:xfrm>
-            <a:off x="3488266" y="2743200"/>
-            <a:ext cx="191912" cy="2743200"/>
-          </a:xfrm>
-          <a:prstGeom prst="rect">
-            <a:avLst/>
-          </a:prstGeom>
+            <a:off x="4769556" y="2726266"/>
+            <a:ext cx="203200" cy="2619022"/>
+          </a:xfrm>
+          <a:prstGeom prst="rect">
+            <a:avLst/>
+          </a:prstGeom>
+          <a:solidFill>
+            <a:schemeClr val="accent2"/>
+          </a:solidFill>
         </p:spPr>
         <p:style>
           <a:lnRef idx="2">
@@ -8130,10 +8147,10 @@
       </p:sp>
       <p:sp>
         <p:nvSpPr>
-          <p:cNvPr id="17" name="Rectangle 16">
+          <p:cNvPr id="18" name="Rectangle 17">
             <a:extLst>
               <a:ext uri="{FF2B5EF4-FFF2-40B4-BE49-F238E27FC236}">
-                <a16:creationId xmlns:a16="http://schemas.microsoft.com/office/drawing/2014/main" id="{ABF9E80D-7915-146E-E1B7-83BEB754FF7D}"/>
+                <a16:creationId xmlns:a16="http://schemas.microsoft.com/office/drawing/2014/main" id="{7BBBCC29-AE3C-7AD6-4031-D4A4968D8BFA}"/>
               </a:ext>
             </a:extLst>
           </p:cNvPr>
@@ -8142,12 +8159,15 @@
         </p:nvSpPr>
         <p:spPr>
           <a:xfrm>
-            <a:off x="4769556" y="2726266"/>
-            <a:ext cx="203200" cy="2619022"/>
-          </a:xfrm>
-          <a:prstGeom prst="rect">
-            <a:avLst/>
-          </a:prstGeom>
+            <a:off x="3476978" y="2799644"/>
+            <a:ext cx="1964267" cy="146756"/>
+          </a:xfrm>
+          <a:prstGeom prst="rect">
+            <a:avLst/>
+          </a:prstGeom>
+          <a:solidFill>
+            <a:schemeClr val="accent2"/>
+          </a:solidFill>
         </p:spPr>
         <p:style>
           <a:lnRef idx="2">
@@ -8176,10 +8196,10 @@
       </p:sp>
       <p:sp>
         <p:nvSpPr>
-          <p:cNvPr id="18" name="Rectangle 17">
+          <p:cNvPr id="29" name="Rectangle 28">
             <a:extLst>
               <a:ext uri="{FF2B5EF4-FFF2-40B4-BE49-F238E27FC236}">
-                <a16:creationId xmlns:a16="http://schemas.microsoft.com/office/drawing/2014/main" id="{7BBBCC29-AE3C-7AD6-4031-D4A4968D8BFA}"/>
+                <a16:creationId xmlns:a16="http://schemas.microsoft.com/office/drawing/2014/main" id="{961C1669-F190-749D-B1D9-DEB5FEFD539A}"/>
               </a:ext>
             </a:extLst>
           </p:cNvPr>
@@ -8188,12 +8208,15 @@
         </p:nvSpPr>
         <p:spPr>
           <a:xfrm>
-            <a:off x="3476978" y="2799644"/>
-            <a:ext cx="1964267" cy="146756"/>
-          </a:xfrm>
-          <a:prstGeom prst="rect">
-            <a:avLst/>
-          </a:prstGeom>
+            <a:off x="6609646" y="2675467"/>
+            <a:ext cx="220132" cy="2743199"/>
+          </a:xfrm>
+          <a:prstGeom prst="rect">
+            <a:avLst/>
+          </a:prstGeom>
+          <a:solidFill>
+            <a:schemeClr val="accent2"/>
+          </a:solidFill>
         </p:spPr>
         <p:style>
           <a:lnRef idx="2">
@@ -8222,10 +8245,10 @@
       </p:sp>
       <p:sp>
         <p:nvSpPr>
-          <p:cNvPr id="29" name="Rectangle 28">
+          <p:cNvPr id="31" name="Rectangle 30">
             <a:extLst>
               <a:ext uri="{FF2B5EF4-FFF2-40B4-BE49-F238E27FC236}">
-                <a16:creationId xmlns:a16="http://schemas.microsoft.com/office/drawing/2014/main" id="{961C1669-F190-749D-B1D9-DEB5FEFD539A}"/>
+                <a16:creationId xmlns:a16="http://schemas.microsoft.com/office/drawing/2014/main" id="{9F112AD9-9085-034B-2434-78E9F92915DA}"/>
               </a:ext>
             </a:extLst>
           </p:cNvPr>
@@ -8234,12 +8257,18 @@
         </p:nvSpPr>
         <p:spPr>
           <a:xfrm>
-            <a:off x="6011334" y="2816576"/>
-            <a:ext cx="174977" cy="2748845"/>
-          </a:xfrm>
-          <a:prstGeom prst="rect">
-            <a:avLst/>
-          </a:prstGeom>
+            <a:off x="3437468" y="5717821"/>
+            <a:ext cx="1698977" cy="316089"/>
+          </a:xfrm>
+          <a:prstGeom prst="rect">
+            <a:avLst/>
+          </a:prstGeom>
+          <a:noFill/>
+          <a:ln>
+            <a:solidFill>
+              <a:schemeClr val="bg1"/>
+            </a:solidFill>
+          </a:ln>
         </p:spPr>
         <p:style>
           <a:lnRef idx="2">
@@ -8262,16 +8291,23 @@
           <a:lstStyle/>
           <a:p>
             <a:pPr algn="ctr"/>
-            <a:endParaRPr lang="en-US"/>
-          </a:p>
-        </p:txBody>
-      </p:sp>
-      <p:sp>
-        <p:nvSpPr>
-          <p:cNvPr id="31" name="Rectangle 30">
+            <a:r>
+              <a:rPr lang="en-US" dirty="0">
+                <a:solidFill>
+                  <a:schemeClr val="tx1"/>
+                </a:solidFill>
+              </a:rPr>
+              <a:t>Front View</a:t>
+            </a:r>
+          </a:p>
+        </p:txBody>
+      </p:sp>
+      <p:sp>
+        <p:nvSpPr>
+          <p:cNvPr id="66" name="Rectangle 65">
             <a:extLst>
               <a:ext uri="{FF2B5EF4-FFF2-40B4-BE49-F238E27FC236}">
-                <a16:creationId xmlns:a16="http://schemas.microsoft.com/office/drawing/2014/main" id="{9F112AD9-9085-034B-2434-78E9F92915DA}"/>
+                <a16:creationId xmlns:a16="http://schemas.microsoft.com/office/drawing/2014/main" id="{AD46979D-CA0B-1813-631D-87C2272F6EA1}"/>
               </a:ext>
             </a:extLst>
           </p:cNvPr>
@@ -8280,7 +8316,7 @@
         </p:nvSpPr>
         <p:spPr>
           <a:xfrm>
-            <a:off x="3437468" y="5717821"/>
+            <a:off x="6502402" y="5689598"/>
             <a:ext cx="1698977" cy="316089"/>
           </a:xfrm>
           <a:prstGeom prst="rect">
@@ -8320,17 +8356,17 @@
                   <a:schemeClr val="tx1"/>
                 </a:solidFill>
               </a:rPr>
-              <a:t>Front View</a:t>
+              <a:t>Side View</a:t>
             </a:r>
           </a:p>
         </p:txBody>
       </p:sp>
       <p:sp>
         <p:nvSpPr>
-          <p:cNvPr id="66" name="Rectangle 65">
+          <p:cNvPr id="68" name="Rectangle 67">
             <a:extLst>
               <a:ext uri="{FF2B5EF4-FFF2-40B4-BE49-F238E27FC236}">
-                <a16:creationId xmlns:a16="http://schemas.microsoft.com/office/drawing/2014/main" id="{AD46979D-CA0B-1813-631D-87C2272F6EA1}"/>
+                <a16:creationId xmlns:a16="http://schemas.microsoft.com/office/drawing/2014/main" id="{FE204D88-B304-273A-426D-AA46ADC26293}"/>
               </a:ext>
             </a:extLst>
           </p:cNvPr>
@@ -8339,8 +8375,8 @@
         </p:nvSpPr>
         <p:spPr>
           <a:xfrm>
-            <a:off x="6502402" y="5689598"/>
-            <a:ext cx="1698977" cy="316089"/>
+            <a:off x="4363157" y="1710266"/>
+            <a:ext cx="1134533" cy="316089"/>
           </a:xfrm>
           <a:prstGeom prst="rect">
             <a:avLst/>
@@ -8379,17 +8415,17 @@
                   <a:schemeClr val="tx1"/>
                 </a:solidFill>
               </a:rPr>
-              <a:t>Side View</a:t>
+              <a:t>Window</a:t>
             </a:r>
           </a:p>
         </p:txBody>
       </p:sp>
       <p:sp>
         <p:nvSpPr>
-          <p:cNvPr id="68" name="Rectangle 67">
+          <p:cNvPr id="69" name="Rectangle 68">
             <a:extLst>
               <a:ext uri="{FF2B5EF4-FFF2-40B4-BE49-F238E27FC236}">
-                <a16:creationId xmlns:a16="http://schemas.microsoft.com/office/drawing/2014/main" id="{FE204D88-B304-273A-426D-AA46ADC26293}"/>
+                <a16:creationId xmlns:a16="http://schemas.microsoft.com/office/drawing/2014/main" id="{CE47C392-5165-89C4-C63F-B9A3B5C7CED1}"/>
               </a:ext>
             </a:extLst>
           </p:cNvPr>
@@ -8398,18 +8434,15 @@
         </p:nvSpPr>
         <p:spPr>
           <a:xfrm>
-            <a:off x="5435601" y="1800577"/>
-            <a:ext cx="1134533" cy="316089"/>
-          </a:xfrm>
-          <a:prstGeom prst="rect">
-            <a:avLst/>
-          </a:prstGeom>
-          <a:noFill/>
-          <a:ln>
-            <a:solidFill>
-              <a:schemeClr val="bg1"/>
-            </a:solidFill>
-          </a:ln>
+            <a:off x="6993466" y="1806224"/>
+            <a:ext cx="1687690" cy="1715912"/>
+          </a:xfrm>
+          <a:prstGeom prst="rect">
+            <a:avLst/>
+          </a:prstGeom>
+          <a:solidFill>
+            <a:schemeClr val="bg2"/>
+          </a:solidFill>
         </p:spPr>
         <p:style>
           <a:lnRef idx="2">
@@ -8432,23 +8465,16 @@
           <a:lstStyle/>
           <a:p>
             <a:pPr algn="ctr"/>
-            <a:r>
-              <a:rPr lang="en-US" dirty="0">
-                <a:solidFill>
-                  <a:schemeClr val="tx1"/>
-                </a:solidFill>
-              </a:rPr>
-              <a:t>Window</a:t>
-            </a:r>
-          </a:p>
-        </p:txBody>
-      </p:sp>
-      <p:sp>
-        <p:nvSpPr>
-          <p:cNvPr id="69" name="Rectangle 68">
+            <a:endParaRPr lang="en-US"/>
+          </a:p>
+        </p:txBody>
+      </p:sp>
+      <p:sp>
+        <p:nvSpPr>
+          <p:cNvPr id="70" name="Rectangle 69">
             <a:extLst>
               <a:ext uri="{FF2B5EF4-FFF2-40B4-BE49-F238E27FC236}">
-                <a16:creationId xmlns:a16="http://schemas.microsoft.com/office/drawing/2014/main" id="{CE47C392-5165-89C4-C63F-B9A3B5C7CED1}"/>
+                <a16:creationId xmlns:a16="http://schemas.microsoft.com/office/drawing/2014/main" id="{07AAA703-1423-D0FA-1F75-B8168ED7F16A}"/>
               </a:ext>
             </a:extLst>
           </p:cNvPr>
@@ -8457,14 +8483,14 @@
         </p:nvSpPr>
         <p:spPr>
           <a:xfrm>
-            <a:off x="6575777" y="1224845"/>
-            <a:ext cx="1665112" cy="2099732"/>
+            <a:off x="8985955" y="3217334"/>
+            <a:ext cx="158045" cy="2133600"/>
           </a:xfrm>
           <a:prstGeom prst="rect">
             <a:avLst/>
           </a:prstGeom>
           <a:solidFill>
-            <a:schemeClr val="bg2"/>
+            <a:schemeClr val="accent2"/>
           </a:solidFill>
         </p:spPr>
         <p:style>
@@ -8494,10 +8520,10 @@
       </p:sp>
       <p:sp>
         <p:nvSpPr>
-          <p:cNvPr id="70" name="Rectangle 69">
+          <p:cNvPr id="72" name="Rectangle 71">
             <a:extLst>
               <a:ext uri="{FF2B5EF4-FFF2-40B4-BE49-F238E27FC236}">
-                <a16:creationId xmlns:a16="http://schemas.microsoft.com/office/drawing/2014/main" id="{07AAA703-1423-D0FA-1F75-B8168ED7F16A}"/>
+                <a16:creationId xmlns:a16="http://schemas.microsoft.com/office/drawing/2014/main" id="{FE72B97D-D3D5-4364-8FA3-0938C7C26A73}"/>
               </a:ext>
             </a:extLst>
           </p:cNvPr>
@@ -8506,8 +8532,8 @@
         </p:nvSpPr>
         <p:spPr>
           <a:xfrm>
-            <a:off x="8387644" y="2799644"/>
-            <a:ext cx="180623" cy="2698045"/>
+            <a:off x="6677377" y="3651955"/>
+            <a:ext cx="2466623" cy="231423"/>
           </a:xfrm>
           <a:prstGeom prst="rect">
             <a:avLst/>
@@ -8543,10 +8569,10 @@
       </p:sp>
       <p:sp>
         <p:nvSpPr>
-          <p:cNvPr id="72" name="Rectangle 71">
+          <p:cNvPr id="76" name="Rectangle 75">
             <a:extLst>
               <a:ext uri="{FF2B5EF4-FFF2-40B4-BE49-F238E27FC236}">
-                <a16:creationId xmlns:a16="http://schemas.microsoft.com/office/drawing/2014/main" id="{FE72B97D-D3D5-4364-8FA3-0938C7C26A73}"/>
+                <a16:creationId xmlns:a16="http://schemas.microsoft.com/office/drawing/2014/main" id="{69A2478E-742D-5549-26A8-215F6A1CEF54}"/>
               </a:ext>
             </a:extLst>
           </p:cNvPr>
@@ -8555,12 +8581,15 @@
         </p:nvSpPr>
         <p:spPr>
           <a:xfrm>
-            <a:off x="6050844" y="3663243"/>
-            <a:ext cx="2466623" cy="231423"/>
-          </a:xfrm>
-          <a:prstGeom prst="rect">
-            <a:avLst/>
-          </a:prstGeom>
+            <a:off x="6795911" y="5147734"/>
+            <a:ext cx="2348089" cy="248356"/>
+          </a:xfrm>
+          <a:prstGeom prst="rect">
+            <a:avLst/>
+          </a:prstGeom>
+          <a:solidFill>
+            <a:schemeClr val="accent2"/>
+          </a:solidFill>
         </p:spPr>
         <p:style>
           <a:lnRef idx="2">
@@ -8587,12 +8616,54 @@
           </a:p>
         </p:txBody>
       </p:sp>
-      <p:sp>
-        <p:nvSpPr>
-          <p:cNvPr id="76" name="Rectangle 75">
+      <p:cxnSp>
+        <p:nvCxnSpPr>
+          <p:cNvPr id="78" name="Straight Arrow Connector 77">
             <a:extLst>
               <a:ext uri="{FF2B5EF4-FFF2-40B4-BE49-F238E27FC236}">
-                <a16:creationId xmlns:a16="http://schemas.microsoft.com/office/drawing/2014/main" id="{69A2478E-742D-5549-26A8-215F6A1CEF54}"/>
+                <a16:creationId xmlns:a16="http://schemas.microsoft.com/office/drawing/2014/main" id="{731EB1B0-5AD3-F338-9021-7A663F0B7F54}"/>
+              </a:ext>
+            </a:extLst>
+          </p:cNvPr>
+          <p:cNvCxnSpPr>
+            <a:cxnSpLocks/>
+            <a:stCxn id="29" idx="1"/>
+          </p:cNvCxnSpPr>
+          <p:nvPr/>
+        </p:nvCxnSpPr>
+        <p:spPr>
+          <a:xfrm flipH="1">
+            <a:off x="5836356" y="4047067"/>
+            <a:ext cx="773290" cy="2003777"/>
+          </a:xfrm>
+          <a:prstGeom prst="straightConnector1">
+            <a:avLst/>
+          </a:prstGeom>
+          <a:ln>
+            <a:tailEnd type="triangle"/>
+          </a:ln>
+        </p:spPr>
+        <p:style>
+          <a:lnRef idx="1">
+            <a:schemeClr val="accent1"/>
+          </a:lnRef>
+          <a:fillRef idx="0">
+            <a:schemeClr val="accent1"/>
+          </a:fillRef>
+          <a:effectRef idx="0">
+            <a:schemeClr val="accent1"/>
+          </a:effectRef>
+          <a:fontRef idx="minor">
+            <a:schemeClr val="tx1"/>
+          </a:fontRef>
+        </p:style>
+      </p:cxnSp>
+      <p:sp>
+        <p:nvSpPr>
+          <p:cNvPr id="79" name="Rectangle 78">
+            <a:extLst>
+              <a:ext uri="{FF2B5EF4-FFF2-40B4-BE49-F238E27FC236}">
+                <a16:creationId xmlns:a16="http://schemas.microsoft.com/office/drawing/2014/main" id="{D078B4FA-EF01-CBEF-6A00-E67A505E3119}"/>
               </a:ext>
             </a:extLst>
           </p:cNvPr>
@@ -8601,12 +8672,18 @@
         </p:nvSpPr>
         <p:spPr>
           <a:xfrm>
-            <a:off x="6197600" y="5294489"/>
-            <a:ext cx="2348089" cy="248356"/>
-          </a:xfrm>
-          <a:prstGeom prst="rect">
-            <a:avLst/>
-          </a:prstGeom>
+            <a:off x="5238045" y="5853287"/>
+            <a:ext cx="1275646" cy="316089"/>
+          </a:xfrm>
+          <a:prstGeom prst="rect">
+            <a:avLst/>
+          </a:prstGeom>
+          <a:noFill/>
+          <a:ln>
+            <a:solidFill>
+              <a:schemeClr val="bg1"/>
+            </a:solidFill>
+          </a:ln>
         </p:spPr>
         <p:style>
           <a:lnRef idx="2">
@@ -8629,26 +8706,35 @@
           <a:lstStyle/>
           <a:p>
             <a:pPr algn="ctr"/>
-            <a:endParaRPr lang="en-US"/>
+            <a:r>
+              <a:rPr lang="en-US" dirty="0">
+                <a:solidFill>
+                  <a:schemeClr val="tx1"/>
+                </a:solidFill>
+              </a:rPr>
+              <a:t>4” x 4” x 8’</a:t>
+            </a:r>
           </a:p>
         </p:txBody>
       </p:sp>
       <p:cxnSp>
         <p:nvCxnSpPr>
-          <p:cNvPr id="78" name="Straight Arrow Connector 77">
+          <p:cNvPr id="81" name="Straight Arrow Connector 80">
             <a:extLst>
               <a:ext uri="{FF2B5EF4-FFF2-40B4-BE49-F238E27FC236}">
-                <a16:creationId xmlns:a16="http://schemas.microsoft.com/office/drawing/2014/main" id="{731EB1B0-5AD3-F338-9021-7A663F0B7F54}"/>
+                <a16:creationId xmlns:a16="http://schemas.microsoft.com/office/drawing/2014/main" id="{A96C3228-4FFC-9584-2FAF-F4238A999200}"/>
               </a:ext>
             </a:extLst>
           </p:cNvPr>
-          <p:cNvCxnSpPr/>
+          <p:cNvCxnSpPr>
+            <a:cxnSpLocks/>
+          </p:cNvCxnSpPr>
           <p:nvPr/>
         </p:nvCxnSpPr>
         <p:spPr>
-          <a:xfrm flipH="1">
-            <a:off x="5836356" y="5565422"/>
-            <a:ext cx="575733" cy="485422"/>
+          <a:xfrm>
+            <a:off x="4741334" y="5508978"/>
+            <a:ext cx="914399" cy="406400"/>
           </a:xfrm>
           <a:prstGeom prst="straightConnector1">
             <a:avLst/>
@@ -8674,10 +8760,10 @@
       </p:cxnSp>
       <p:sp>
         <p:nvSpPr>
-          <p:cNvPr id="79" name="Rectangle 78">
+          <p:cNvPr id="82" name="Rectangle 81">
             <a:extLst>
               <a:ext uri="{FF2B5EF4-FFF2-40B4-BE49-F238E27FC236}">
-                <a16:creationId xmlns:a16="http://schemas.microsoft.com/office/drawing/2014/main" id="{D078B4FA-EF01-CBEF-6A00-E67A505E3119}"/>
+                <a16:creationId xmlns:a16="http://schemas.microsoft.com/office/drawing/2014/main" id="{CF9CE186-723D-2B96-F6E0-1EB85BCA8C88}"/>
               </a:ext>
             </a:extLst>
           </p:cNvPr>
@@ -8686,7 +8772,7 @@
         </p:nvSpPr>
         <p:spPr>
           <a:xfrm>
-            <a:off x="5497689" y="6101643"/>
+            <a:off x="7061199" y="4334932"/>
             <a:ext cx="1275646" cy="316089"/>
           </a:xfrm>
           <a:prstGeom prst="rect">
@@ -8726,56 +8812,17 @@
                   <a:schemeClr val="tx1"/>
                 </a:solidFill>
               </a:rPr>
-              <a:t>4” x 4” x 8’</a:t>
+              <a:t>2” x 4” x 8’</a:t>
             </a:r>
           </a:p>
         </p:txBody>
       </p:sp>
-      <p:cxnSp>
-        <p:nvCxnSpPr>
-          <p:cNvPr id="81" name="Straight Arrow Connector 80">
+      <p:sp>
+        <p:nvSpPr>
+          <p:cNvPr id="83" name="Rectangle 82">
             <a:extLst>
               <a:ext uri="{FF2B5EF4-FFF2-40B4-BE49-F238E27FC236}">
-                <a16:creationId xmlns:a16="http://schemas.microsoft.com/office/drawing/2014/main" id="{A96C3228-4FFC-9584-2FAF-F4238A999200}"/>
-              </a:ext>
-            </a:extLst>
-          </p:cNvPr>
-          <p:cNvCxnSpPr/>
-          <p:nvPr/>
-        </p:nvCxnSpPr>
-        <p:spPr>
-          <a:xfrm>
-            <a:off x="4707467" y="5520267"/>
-            <a:ext cx="948266" cy="587022"/>
-          </a:xfrm>
-          <a:prstGeom prst="straightConnector1">
-            <a:avLst/>
-          </a:prstGeom>
-          <a:ln>
-            <a:tailEnd type="triangle"/>
-          </a:ln>
-        </p:spPr>
-        <p:style>
-          <a:lnRef idx="1">
-            <a:schemeClr val="accent1"/>
-          </a:lnRef>
-          <a:fillRef idx="0">
-            <a:schemeClr val="accent1"/>
-          </a:fillRef>
-          <a:effectRef idx="0">
-            <a:schemeClr val="accent1"/>
-          </a:effectRef>
-          <a:fontRef idx="minor">
-            <a:schemeClr val="tx1"/>
-          </a:fontRef>
-        </p:style>
-      </p:cxnSp>
-      <p:sp>
-        <p:nvSpPr>
-          <p:cNvPr id="82" name="Rectangle 81">
-            <a:extLst>
-              <a:ext uri="{FF2B5EF4-FFF2-40B4-BE49-F238E27FC236}">
-                <a16:creationId xmlns:a16="http://schemas.microsoft.com/office/drawing/2014/main" id="{CF9CE186-723D-2B96-F6E0-1EB85BCA8C88}"/>
+                <a16:creationId xmlns:a16="http://schemas.microsoft.com/office/drawing/2014/main" id="{DD51AB71-E1E5-247A-51B1-46D4E6E37814}"/>
               </a:ext>
             </a:extLst>
           </p:cNvPr>
@@ -8784,18 +8831,15 @@
         </p:nvSpPr>
         <p:spPr>
           <a:xfrm>
-            <a:off x="6462888" y="4481687"/>
-            <a:ext cx="1275646" cy="316089"/>
-          </a:xfrm>
-          <a:prstGeom prst="rect">
-            <a:avLst/>
-          </a:prstGeom>
-          <a:noFill/>
-          <a:ln>
-            <a:solidFill>
-              <a:schemeClr val="bg1"/>
-            </a:solidFill>
-          </a:ln>
+            <a:off x="3550353" y="3629381"/>
+            <a:ext cx="101600" cy="237066"/>
+          </a:xfrm>
+          <a:prstGeom prst="rect">
+            <a:avLst/>
+          </a:prstGeom>
+          <a:solidFill>
+            <a:schemeClr val="accent2"/>
+          </a:solidFill>
         </p:spPr>
         <p:style>
           <a:lnRef idx="2">
@@ -8818,59 +8862,6 @@
           <a:lstStyle/>
           <a:p>
             <a:pPr algn="ctr"/>
-            <a:r>
-              <a:rPr lang="en-US" dirty="0">
-                <a:solidFill>
-                  <a:schemeClr val="tx1"/>
-                </a:solidFill>
-              </a:rPr>
-              <a:t>2” x 4” x 8’</a:t>
-            </a:r>
-          </a:p>
-        </p:txBody>
-      </p:sp>
-      <p:sp>
-        <p:nvSpPr>
-          <p:cNvPr id="83" name="Rectangle 82">
-            <a:extLst>
-              <a:ext uri="{FF2B5EF4-FFF2-40B4-BE49-F238E27FC236}">
-                <a16:creationId xmlns:a16="http://schemas.microsoft.com/office/drawing/2014/main" id="{DD51AB71-E1E5-247A-51B1-46D4E6E37814}"/>
-              </a:ext>
-            </a:extLst>
-          </p:cNvPr>
-          <p:cNvSpPr/>
-          <p:nvPr/>
-        </p:nvSpPr>
-        <p:spPr>
-          <a:xfrm>
-            <a:off x="3550353" y="3629381"/>
-            <a:ext cx="101600" cy="237066"/>
-          </a:xfrm>
-          <a:prstGeom prst="rect">
-            <a:avLst/>
-          </a:prstGeom>
-        </p:spPr>
-        <p:style>
-          <a:lnRef idx="2">
-            <a:schemeClr val="accent1">
-              <a:shade val="15000"/>
-            </a:schemeClr>
-          </a:lnRef>
-          <a:fillRef idx="1">
-            <a:schemeClr val="accent1"/>
-          </a:fillRef>
-          <a:effectRef idx="0">
-            <a:schemeClr val="accent1"/>
-          </a:effectRef>
-          <a:fontRef idx="minor">
-            <a:schemeClr val="lt1"/>
-          </a:fontRef>
-        </p:style>
-        <p:txBody>
-          <a:bodyPr rtlCol="0" anchor="ctr"/>
-          <a:lstStyle/>
-          <a:p>
-            <a:pPr algn="ctr"/>
             <a:endParaRPr lang="en-US"/>
           </a:p>
         </p:txBody>
@@ -8893,8 +8884,8 @@
         </p:nvCxnSpPr>
         <p:spPr>
           <a:xfrm flipH="1">
-            <a:off x="7100711" y="3894666"/>
-            <a:ext cx="183445" cy="587021"/>
+            <a:off x="7699022" y="3883378"/>
+            <a:ext cx="211667" cy="451554"/>
           </a:xfrm>
           <a:prstGeom prst="straightConnector1">
             <a:avLst/>
@@ -8920,7 +8911,178 @@
       </p:cxnSp>
       <p:cxnSp>
         <p:nvCxnSpPr>
-          <p:cNvPr id="87" name="Straight Arrow Connector 86">
+          <p:cNvPr id="4" name="Straight Arrow Connector 3">
+            <a:extLst>
+              <a:ext uri="{FF2B5EF4-FFF2-40B4-BE49-F238E27FC236}">
+                <a16:creationId xmlns:a16="http://schemas.microsoft.com/office/drawing/2014/main" id="{1839719B-5F19-7507-870F-0BD4496FE306}"/>
+              </a:ext>
+            </a:extLst>
+          </p:cNvPr>
+          <p:cNvCxnSpPr>
+            <a:cxnSpLocks/>
+            <a:stCxn id="68" idx="3"/>
+          </p:cNvCxnSpPr>
+          <p:nvPr/>
+        </p:nvCxnSpPr>
+        <p:spPr>
+          <a:xfrm>
+            <a:off x="5497690" y="1868311"/>
+            <a:ext cx="1422399" cy="615245"/>
+          </a:xfrm>
+          <a:prstGeom prst="straightConnector1">
+            <a:avLst/>
+          </a:prstGeom>
+          <a:ln>
+            <a:tailEnd type="triangle"/>
+          </a:ln>
+        </p:spPr>
+        <p:style>
+          <a:lnRef idx="1">
+            <a:schemeClr val="accent1"/>
+          </a:lnRef>
+          <a:fillRef idx="0">
+            <a:schemeClr val="accent1"/>
+          </a:fillRef>
+          <a:effectRef idx="0">
+            <a:schemeClr val="accent1"/>
+          </a:effectRef>
+          <a:fontRef idx="minor">
+            <a:schemeClr val="tx1"/>
+          </a:fontRef>
+        </p:style>
+      </p:cxnSp>
+      <p:cxnSp>
+        <p:nvCxnSpPr>
+          <p:cNvPr id="10" name="Straight Arrow Connector 9">
+            <a:extLst>
+              <a:ext uri="{FF2B5EF4-FFF2-40B4-BE49-F238E27FC236}">
+                <a16:creationId xmlns:a16="http://schemas.microsoft.com/office/drawing/2014/main" id="{697F62F2-1FF5-9980-A6B9-F1476D6597B1}"/>
+              </a:ext>
+            </a:extLst>
+          </p:cNvPr>
+          <p:cNvCxnSpPr/>
+          <p:nvPr/>
+        </p:nvCxnSpPr>
+        <p:spPr>
+          <a:xfrm flipH="1">
+            <a:off x="3601156" y="1964267"/>
+            <a:ext cx="857955" cy="282222"/>
+          </a:xfrm>
+          <a:prstGeom prst="straightConnector1">
+            <a:avLst/>
+          </a:prstGeom>
+          <a:ln>
+            <a:tailEnd type="triangle"/>
+          </a:ln>
+        </p:spPr>
+        <p:style>
+          <a:lnRef idx="1">
+            <a:schemeClr val="accent1"/>
+          </a:lnRef>
+          <a:fillRef idx="0">
+            <a:schemeClr val="accent1"/>
+          </a:fillRef>
+          <a:effectRef idx="0">
+            <a:schemeClr val="accent1"/>
+          </a:effectRef>
+          <a:fontRef idx="minor">
+            <a:schemeClr val="tx1"/>
+          </a:fontRef>
+        </p:style>
+      </p:cxnSp>
+      <p:sp>
+        <p:nvSpPr>
+          <p:cNvPr id="12" name="Rectangle 11">
+            <a:extLst>
+              <a:ext uri="{FF2B5EF4-FFF2-40B4-BE49-F238E27FC236}">
+                <a16:creationId xmlns:a16="http://schemas.microsoft.com/office/drawing/2014/main" id="{7587B043-A26C-C632-E72A-E31E72CFF517}"/>
+              </a:ext>
+            </a:extLst>
+          </p:cNvPr>
+          <p:cNvSpPr/>
+          <p:nvPr/>
+        </p:nvSpPr>
+        <p:spPr>
+          <a:xfrm>
+            <a:off x="5249331" y="3668892"/>
+            <a:ext cx="101600" cy="237066"/>
+          </a:xfrm>
+          <a:prstGeom prst="rect">
+            <a:avLst/>
+          </a:prstGeom>
+          <a:solidFill>
+            <a:schemeClr val="accent2"/>
+          </a:solidFill>
+        </p:spPr>
+        <p:style>
+          <a:lnRef idx="2">
+            <a:schemeClr val="accent1">
+              <a:shade val="15000"/>
+            </a:schemeClr>
+          </a:lnRef>
+          <a:fillRef idx="1">
+            <a:schemeClr val="accent1"/>
+          </a:fillRef>
+          <a:effectRef idx="0">
+            <a:schemeClr val="accent1"/>
+          </a:effectRef>
+          <a:fontRef idx="minor">
+            <a:schemeClr val="lt1"/>
+          </a:fontRef>
+        </p:style>
+        <p:txBody>
+          <a:bodyPr rtlCol="0" anchor="ctr"/>
+          <a:lstStyle/>
+          <a:p>
+            <a:pPr algn="ctr"/>
+            <a:endParaRPr lang="en-US"/>
+          </a:p>
+        </p:txBody>
+      </p:sp>
+      <p:cxnSp>
+        <p:nvCxnSpPr>
+          <p:cNvPr id="20" name="Straight Arrow Connector 19">
+            <a:extLst>
+              <a:ext uri="{FF2B5EF4-FFF2-40B4-BE49-F238E27FC236}">
+                <a16:creationId xmlns:a16="http://schemas.microsoft.com/office/drawing/2014/main" id="{8ED353DB-38DD-C560-3BFA-FD824A913DAC}"/>
+              </a:ext>
+            </a:extLst>
+          </p:cNvPr>
+          <p:cNvCxnSpPr>
+            <a:cxnSpLocks/>
+          </p:cNvCxnSpPr>
+          <p:nvPr/>
+        </p:nvCxnSpPr>
+        <p:spPr>
+          <a:xfrm>
+            <a:off x="5362222" y="3759200"/>
+            <a:ext cx="1151467" cy="0"/>
+          </a:xfrm>
+          <a:prstGeom prst="straightConnector1">
+            <a:avLst/>
+          </a:prstGeom>
+          <a:ln>
+            <a:tailEnd type="triangle"/>
+          </a:ln>
+        </p:spPr>
+        <p:style>
+          <a:lnRef idx="1">
+            <a:schemeClr val="accent1"/>
+          </a:lnRef>
+          <a:fillRef idx="0">
+            <a:schemeClr val="accent1"/>
+          </a:fillRef>
+          <a:effectRef idx="0">
+            <a:schemeClr val="accent1"/>
+          </a:effectRef>
+          <a:fontRef idx="minor">
+            <a:schemeClr val="tx1"/>
+          </a:fontRef>
+        </p:style>
+      </p:cxnSp>
+      <p:cxnSp>
+        <p:nvCxnSpPr>
+          <p:cNvPr id="85" name="Straight Arrow Connector 84">
             <a:extLst>
               <a:ext uri="{FF2B5EF4-FFF2-40B4-BE49-F238E27FC236}">
                 <a16:creationId xmlns:a16="http://schemas.microsoft.com/office/drawing/2014/main" id="{A547A6E6-B96E-EB06-B32A-857A15E0E956}"/>
@@ -8935,7 +9097,7 @@
         <p:spPr>
           <a:xfrm>
             <a:off x="3640667" y="3753555"/>
-            <a:ext cx="2918177" cy="807156"/>
+            <a:ext cx="3381022" cy="1484489"/>
           </a:xfrm>
           <a:prstGeom prst="straightConnector1">
             <a:avLst/>
